--- a/slides/Wine_Recommender_System.pptx
+++ b/slides/Wine_Recommender_System.pptx
@@ -14636,7 +14636,7 @@
           <a:p>
             <a:fld id="{160C3FDB-C64C-C54C-B088-70160B26138C}" type="datetimeFigureOut">
               <a:rPr lang="en-US" smtClean="0"/>
-              <a:t>5/11/23</a:t>
+              <a:t>5/27/23</a:t>
             </a:fld>
             <a:endParaRPr lang="en-US"/>
           </a:p>
@@ -19437,7 +19437,7 @@
           <a:p>
             <a:fld id="{32606FB3-9684-0F40-B0DD-0463800C2680}" type="datetimeFigureOut">
               <a:rPr lang="en-US" smtClean="0"/>
-              <a:t>5/11/23</a:t>
+              <a:t>5/27/23</a:t>
             </a:fld>
             <a:endParaRPr lang="en-US"/>
           </a:p>
@@ -19637,7 +19637,7 @@
           <a:p>
             <a:fld id="{32606FB3-9684-0F40-B0DD-0463800C2680}" type="datetimeFigureOut">
               <a:rPr lang="en-US" smtClean="0"/>
-              <a:t>5/11/23</a:t>
+              <a:t>5/27/23</a:t>
             </a:fld>
             <a:endParaRPr lang="en-US"/>
           </a:p>
@@ -19847,7 +19847,7 @@
           <a:p>
             <a:fld id="{32606FB3-9684-0F40-B0DD-0463800C2680}" type="datetimeFigureOut">
               <a:rPr lang="en-US" smtClean="0"/>
-              <a:t>5/11/23</a:t>
+              <a:t>5/27/23</a:t>
             </a:fld>
             <a:endParaRPr lang="en-US"/>
           </a:p>
@@ -20047,7 +20047,7 @@
           <a:p>
             <a:fld id="{32606FB3-9684-0F40-B0DD-0463800C2680}" type="datetimeFigureOut">
               <a:rPr lang="en-US" smtClean="0"/>
-              <a:t>5/11/23</a:t>
+              <a:t>5/27/23</a:t>
             </a:fld>
             <a:endParaRPr lang="en-US"/>
           </a:p>
@@ -20323,7 +20323,7 @@
           <a:p>
             <a:fld id="{32606FB3-9684-0F40-B0DD-0463800C2680}" type="datetimeFigureOut">
               <a:rPr lang="en-US" smtClean="0"/>
-              <a:t>5/11/23</a:t>
+              <a:t>5/27/23</a:t>
             </a:fld>
             <a:endParaRPr lang="en-US"/>
           </a:p>
@@ -20591,7 +20591,7 @@
           <a:p>
             <a:fld id="{32606FB3-9684-0F40-B0DD-0463800C2680}" type="datetimeFigureOut">
               <a:rPr lang="en-US" smtClean="0"/>
-              <a:t>5/11/23</a:t>
+              <a:t>5/27/23</a:t>
             </a:fld>
             <a:endParaRPr lang="en-US"/>
           </a:p>
@@ -21006,7 +21006,7 @@
           <a:p>
             <a:fld id="{32606FB3-9684-0F40-B0DD-0463800C2680}" type="datetimeFigureOut">
               <a:rPr lang="en-US" smtClean="0"/>
-              <a:t>5/11/23</a:t>
+              <a:t>5/27/23</a:t>
             </a:fld>
             <a:endParaRPr lang="en-US"/>
           </a:p>
@@ -21148,7 +21148,7 @@
           <a:p>
             <a:fld id="{32606FB3-9684-0F40-B0DD-0463800C2680}" type="datetimeFigureOut">
               <a:rPr lang="en-US" smtClean="0"/>
-              <a:t>5/11/23</a:t>
+              <a:t>5/27/23</a:t>
             </a:fld>
             <a:endParaRPr lang="en-US"/>
           </a:p>
@@ -21261,7 +21261,7 @@
           <a:p>
             <a:fld id="{32606FB3-9684-0F40-B0DD-0463800C2680}" type="datetimeFigureOut">
               <a:rPr lang="en-US" smtClean="0"/>
-              <a:t>5/11/23</a:t>
+              <a:t>5/27/23</a:t>
             </a:fld>
             <a:endParaRPr lang="en-US"/>
           </a:p>
@@ -21574,7 +21574,7 @@
           <a:p>
             <a:fld id="{32606FB3-9684-0F40-B0DD-0463800C2680}" type="datetimeFigureOut">
               <a:rPr lang="en-US" smtClean="0"/>
-              <a:t>5/11/23</a:t>
+              <a:t>5/27/23</a:t>
             </a:fld>
             <a:endParaRPr lang="en-US"/>
           </a:p>
@@ -21863,7 +21863,7 @@
           <a:p>
             <a:fld id="{32606FB3-9684-0F40-B0DD-0463800C2680}" type="datetimeFigureOut">
               <a:rPr lang="en-US" smtClean="0"/>
-              <a:t>5/11/23</a:t>
+              <a:t>5/27/23</a:t>
             </a:fld>
             <a:endParaRPr lang="en-US"/>
           </a:p>
@@ -22106,7 +22106,7 @@
           <a:p>
             <a:fld id="{32606FB3-9684-0F40-B0DD-0463800C2680}" type="datetimeFigureOut">
               <a:rPr lang="en-US" smtClean="0"/>
-              <a:t>5/11/23</a:t>
+              <a:t>5/27/23</a:t>
             </a:fld>
             <a:endParaRPr lang="en-US"/>
           </a:p>
@@ -23082,54 +23082,6 @@
       </p:sp>
       <p:sp>
         <p:nvSpPr>
-          <p:cNvPr id="4" name="Slide Number Placeholder 1">
-            <a:extLst>
-              <a:ext uri="{FF2B5EF4-FFF2-40B4-BE49-F238E27FC236}">
-                <a16:creationId xmlns:a16="http://schemas.microsoft.com/office/drawing/2014/main" id="{AEF94D72-A981-8612-A00C-CF0F029CFF69}"/>
-              </a:ext>
-            </a:extLst>
-          </p:cNvPr>
-          <p:cNvSpPr>
-            <a:spLocks noGrp="1"/>
-          </p:cNvSpPr>
-          <p:nvPr>
-            <p:ph type="sldNum" sz="quarter" idx="12"/>
-          </p:nvPr>
-        </p:nvSpPr>
-        <p:spPr>
-          <a:xfrm>
-            <a:off x="11144147" y="6456787"/>
-            <a:ext cx="799078" cy="365125"/>
-          </a:xfrm>
-        </p:spPr>
-        <p:txBody>
-          <a:bodyPr/>
-          <a:lstStyle/>
-          <a:p>
-            <a:pPr algn="r"/>
-            <a:fld id="{11A71338-8BA2-4C79-A6C5-5A8E30081D0C}" type="slidenum">
-              <a:rPr lang="en-US" sz="2800" b="1" smtClean="0">
-                <a:solidFill>
-                  <a:schemeClr val="bg1"/>
-                </a:solidFill>
-                <a:latin typeface="Calibri" panose="020F0502020204030204" pitchFamily="34" charset="0"/>
-                <a:cs typeface="Calibri" panose="020F0502020204030204" pitchFamily="34" charset="0"/>
-              </a:rPr>
-              <a:pPr algn="r"/>
-              <a:t>10</a:t>
-            </a:fld>
-            <a:endParaRPr lang="en-US" sz="2800" b="1" dirty="0">
-              <a:solidFill>
-                <a:schemeClr val="bg1"/>
-              </a:solidFill>
-              <a:latin typeface="Calibri" panose="020F0502020204030204" pitchFamily="34" charset="0"/>
-              <a:cs typeface="Calibri" panose="020F0502020204030204" pitchFamily="34" charset="0"/>
-            </a:endParaRPr>
-          </a:p>
-        </p:txBody>
-      </p:sp>
-      <p:sp>
-        <p:nvSpPr>
           <p:cNvPr id="7" name="TextBox 6">
             <a:extLst>
               <a:ext uri="{FF2B5EF4-FFF2-40B4-BE49-F238E27FC236}">
@@ -23578,6 +23530,54 @@
           </a:p>
         </p:txBody>
       </p:sp>
+      <p:sp>
+        <p:nvSpPr>
+          <p:cNvPr id="2" name="Slide Number Placeholder 1">
+            <a:extLst>
+              <a:ext uri="{FF2B5EF4-FFF2-40B4-BE49-F238E27FC236}">
+                <a16:creationId xmlns:a16="http://schemas.microsoft.com/office/drawing/2014/main" id="{95D12359-03DE-9138-9035-AD656DEFE5C9}"/>
+              </a:ext>
+            </a:extLst>
+          </p:cNvPr>
+          <p:cNvSpPr>
+            <a:spLocks noGrp="1"/>
+          </p:cNvSpPr>
+          <p:nvPr>
+            <p:ph type="sldNum" sz="quarter" idx="12"/>
+          </p:nvPr>
+        </p:nvSpPr>
+        <p:spPr>
+          <a:xfrm>
+            <a:off x="11144147" y="6456787"/>
+            <a:ext cx="799078" cy="365125"/>
+          </a:xfrm>
+        </p:spPr>
+        <p:txBody>
+          <a:bodyPr/>
+          <a:lstStyle/>
+          <a:p>
+            <a:pPr algn="r"/>
+            <a:fld id="{11A71338-8BA2-4C79-A6C5-5A8E30081D0C}" type="slidenum">
+              <a:rPr lang="en-US" sz="3200" b="1" smtClean="0">
+                <a:solidFill>
+                  <a:schemeClr val="bg1"/>
+                </a:solidFill>
+                <a:latin typeface="Calibri" panose="020F0502020204030204" pitchFamily="34" charset="0"/>
+                <a:cs typeface="Calibri" panose="020F0502020204030204" pitchFamily="34" charset="0"/>
+              </a:rPr>
+              <a:pPr algn="r"/>
+              <a:t>10</a:t>
+            </a:fld>
+            <a:endParaRPr lang="en-US" sz="3200" b="1" dirty="0">
+              <a:solidFill>
+                <a:schemeClr val="bg1"/>
+              </a:solidFill>
+              <a:latin typeface="Calibri" panose="020F0502020204030204" pitchFamily="34" charset="0"/>
+              <a:cs typeface="Calibri" panose="020F0502020204030204" pitchFamily="34" charset="0"/>
+            </a:endParaRPr>
+          </a:p>
+        </p:txBody>
+      </p:sp>
     </p:spTree>
     <p:extLst>
       <p:ext uri="{BB962C8B-B14F-4D97-AF65-F5344CB8AC3E}">
@@ -23677,54 +23677,6 @@
             <a:endParaRPr lang="en-US" sz="1400" b="1" i="1" dirty="0">
               <a:ea typeface="+mj-ea"/>
               <a:cs typeface="+mj-cs"/>
-            </a:endParaRPr>
-          </a:p>
-        </p:txBody>
-      </p:sp>
-      <p:sp>
-        <p:nvSpPr>
-          <p:cNvPr id="4" name="Slide Number Placeholder 1">
-            <a:extLst>
-              <a:ext uri="{FF2B5EF4-FFF2-40B4-BE49-F238E27FC236}">
-                <a16:creationId xmlns:a16="http://schemas.microsoft.com/office/drawing/2014/main" id="{AEF94D72-A981-8612-A00C-CF0F029CFF69}"/>
-              </a:ext>
-            </a:extLst>
-          </p:cNvPr>
-          <p:cNvSpPr>
-            <a:spLocks noGrp="1"/>
-          </p:cNvSpPr>
-          <p:nvPr>
-            <p:ph type="sldNum" sz="quarter" idx="12"/>
-          </p:nvPr>
-        </p:nvSpPr>
-        <p:spPr>
-          <a:xfrm>
-            <a:off x="11144147" y="6456787"/>
-            <a:ext cx="799078" cy="365125"/>
-          </a:xfrm>
-        </p:spPr>
-        <p:txBody>
-          <a:bodyPr/>
-          <a:lstStyle/>
-          <a:p>
-            <a:pPr algn="r"/>
-            <a:fld id="{11A71338-8BA2-4C79-A6C5-5A8E30081D0C}" type="slidenum">
-              <a:rPr lang="en-US" sz="2800" b="1" smtClean="0">
-                <a:solidFill>
-                  <a:schemeClr val="bg1"/>
-                </a:solidFill>
-                <a:latin typeface="Calibri" panose="020F0502020204030204" pitchFamily="34" charset="0"/>
-                <a:cs typeface="Calibri" panose="020F0502020204030204" pitchFamily="34" charset="0"/>
-              </a:rPr>
-              <a:pPr algn="r"/>
-              <a:t>11</a:t>
-            </a:fld>
-            <a:endParaRPr lang="en-US" sz="2800" b="1" dirty="0">
-              <a:solidFill>
-                <a:schemeClr val="bg1"/>
-              </a:solidFill>
-              <a:latin typeface="Calibri" panose="020F0502020204030204" pitchFamily="34" charset="0"/>
-              <a:cs typeface="Calibri" panose="020F0502020204030204" pitchFamily="34" charset="0"/>
             </a:endParaRPr>
           </a:p>
         </p:txBody>
@@ -24188,6 +24140,54 @@
           </a:p>
         </p:txBody>
       </p:sp>
+      <p:sp>
+        <p:nvSpPr>
+          <p:cNvPr id="8" name="Slide Number Placeholder 1">
+            <a:extLst>
+              <a:ext uri="{FF2B5EF4-FFF2-40B4-BE49-F238E27FC236}">
+                <a16:creationId xmlns:a16="http://schemas.microsoft.com/office/drawing/2014/main" id="{E6489D5D-C68C-378A-9C7D-D3B2C0829A47}"/>
+              </a:ext>
+            </a:extLst>
+          </p:cNvPr>
+          <p:cNvSpPr>
+            <a:spLocks noGrp="1"/>
+          </p:cNvSpPr>
+          <p:nvPr>
+            <p:ph type="sldNum" sz="quarter" idx="12"/>
+          </p:nvPr>
+        </p:nvSpPr>
+        <p:spPr>
+          <a:xfrm>
+            <a:off x="11144147" y="6456787"/>
+            <a:ext cx="799078" cy="365125"/>
+          </a:xfrm>
+        </p:spPr>
+        <p:txBody>
+          <a:bodyPr/>
+          <a:lstStyle/>
+          <a:p>
+            <a:pPr algn="r"/>
+            <a:fld id="{11A71338-8BA2-4C79-A6C5-5A8E30081D0C}" type="slidenum">
+              <a:rPr lang="en-US" sz="3200" b="1" smtClean="0">
+                <a:solidFill>
+                  <a:schemeClr val="bg1"/>
+                </a:solidFill>
+                <a:latin typeface="Calibri" panose="020F0502020204030204" pitchFamily="34" charset="0"/>
+                <a:cs typeface="Calibri" panose="020F0502020204030204" pitchFamily="34" charset="0"/>
+              </a:rPr>
+              <a:pPr algn="r"/>
+              <a:t>11</a:t>
+            </a:fld>
+            <a:endParaRPr lang="en-US" sz="3200" b="1" dirty="0">
+              <a:solidFill>
+                <a:schemeClr val="bg1"/>
+              </a:solidFill>
+              <a:latin typeface="Calibri" panose="020F0502020204030204" pitchFamily="34" charset="0"/>
+              <a:cs typeface="Calibri" panose="020F0502020204030204" pitchFamily="34" charset="0"/>
+            </a:endParaRPr>
+          </a:p>
+        </p:txBody>
+      </p:sp>
     </p:spTree>
     <p:extLst>
       <p:ext uri="{BB962C8B-B14F-4D97-AF65-F5344CB8AC3E}">
@@ -24287,54 +24287,6 @@
             <a:endParaRPr lang="en-US" sz="1400" b="1" i="1" dirty="0">
               <a:ea typeface="+mj-ea"/>
               <a:cs typeface="+mj-cs"/>
-            </a:endParaRPr>
-          </a:p>
-        </p:txBody>
-      </p:sp>
-      <p:sp>
-        <p:nvSpPr>
-          <p:cNvPr id="4" name="Slide Number Placeholder 1">
-            <a:extLst>
-              <a:ext uri="{FF2B5EF4-FFF2-40B4-BE49-F238E27FC236}">
-                <a16:creationId xmlns:a16="http://schemas.microsoft.com/office/drawing/2014/main" id="{AEF94D72-A981-8612-A00C-CF0F029CFF69}"/>
-              </a:ext>
-            </a:extLst>
-          </p:cNvPr>
-          <p:cNvSpPr>
-            <a:spLocks noGrp="1"/>
-          </p:cNvSpPr>
-          <p:nvPr>
-            <p:ph type="sldNum" sz="quarter" idx="12"/>
-          </p:nvPr>
-        </p:nvSpPr>
-        <p:spPr>
-          <a:xfrm>
-            <a:off x="11144147" y="6456787"/>
-            <a:ext cx="799078" cy="365125"/>
-          </a:xfrm>
-        </p:spPr>
-        <p:txBody>
-          <a:bodyPr/>
-          <a:lstStyle/>
-          <a:p>
-            <a:pPr algn="r"/>
-            <a:fld id="{11A71338-8BA2-4C79-A6C5-5A8E30081D0C}" type="slidenum">
-              <a:rPr lang="en-US" sz="2800" b="1" smtClean="0">
-                <a:solidFill>
-                  <a:schemeClr val="bg1"/>
-                </a:solidFill>
-                <a:latin typeface="Calibri" panose="020F0502020204030204" pitchFamily="34" charset="0"/>
-                <a:cs typeface="Calibri" panose="020F0502020204030204" pitchFamily="34" charset="0"/>
-              </a:rPr>
-              <a:pPr algn="r"/>
-              <a:t>12</a:t>
-            </a:fld>
-            <a:endParaRPr lang="en-US" sz="2800" b="1" dirty="0">
-              <a:solidFill>
-                <a:schemeClr val="bg1"/>
-              </a:solidFill>
-              <a:latin typeface="Calibri" panose="020F0502020204030204" pitchFamily="34" charset="0"/>
-              <a:cs typeface="Calibri" panose="020F0502020204030204" pitchFamily="34" charset="0"/>
             </a:endParaRPr>
           </a:p>
         </p:txBody>
@@ -24683,6 +24635,54 @@
           </a:p>
         </p:txBody>
       </p:sp>
+      <p:sp>
+        <p:nvSpPr>
+          <p:cNvPr id="2" name="Slide Number Placeholder 1">
+            <a:extLst>
+              <a:ext uri="{FF2B5EF4-FFF2-40B4-BE49-F238E27FC236}">
+                <a16:creationId xmlns:a16="http://schemas.microsoft.com/office/drawing/2014/main" id="{F3C476D2-F2FF-7045-4FD9-A48A05D6B0A7}"/>
+              </a:ext>
+            </a:extLst>
+          </p:cNvPr>
+          <p:cNvSpPr>
+            <a:spLocks noGrp="1"/>
+          </p:cNvSpPr>
+          <p:nvPr>
+            <p:ph type="sldNum" sz="quarter" idx="12"/>
+          </p:nvPr>
+        </p:nvSpPr>
+        <p:spPr>
+          <a:xfrm>
+            <a:off x="11144147" y="6456787"/>
+            <a:ext cx="799078" cy="365125"/>
+          </a:xfrm>
+        </p:spPr>
+        <p:txBody>
+          <a:bodyPr/>
+          <a:lstStyle/>
+          <a:p>
+            <a:pPr algn="r"/>
+            <a:fld id="{11A71338-8BA2-4C79-A6C5-5A8E30081D0C}" type="slidenum">
+              <a:rPr lang="en-US" sz="3200" b="1" smtClean="0">
+                <a:solidFill>
+                  <a:schemeClr val="bg1"/>
+                </a:solidFill>
+                <a:latin typeface="Calibri" panose="020F0502020204030204" pitchFamily="34" charset="0"/>
+                <a:cs typeface="Calibri" panose="020F0502020204030204" pitchFamily="34" charset="0"/>
+              </a:rPr>
+              <a:pPr algn="r"/>
+              <a:t>12</a:t>
+            </a:fld>
+            <a:endParaRPr lang="en-US" sz="3200" b="1" dirty="0">
+              <a:solidFill>
+                <a:schemeClr val="bg1"/>
+              </a:solidFill>
+              <a:latin typeface="Calibri" panose="020F0502020204030204" pitchFamily="34" charset="0"/>
+              <a:cs typeface="Calibri" panose="020F0502020204030204" pitchFamily="34" charset="0"/>
+            </a:endParaRPr>
+          </a:p>
+        </p:txBody>
+      </p:sp>
     </p:spTree>
     <p:extLst>
       <p:ext uri="{BB962C8B-B14F-4D97-AF65-F5344CB8AC3E}">
@@ -24782,54 +24782,6 @@
             <a:endParaRPr lang="en-US" sz="1400" b="1" i="1" dirty="0">
               <a:ea typeface="+mj-ea"/>
               <a:cs typeface="+mj-cs"/>
-            </a:endParaRPr>
-          </a:p>
-        </p:txBody>
-      </p:sp>
-      <p:sp>
-        <p:nvSpPr>
-          <p:cNvPr id="4" name="Slide Number Placeholder 1">
-            <a:extLst>
-              <a:ext uri="{FF2B5EF4-FFF2-40B4-BE49-F238E27FC236}">
-                <a16:creationId xmlns:a16="http://schemas.microsoft.com/office/drawing/2014/main" id="{AEF94D72-A981-8612-A00C-CF0F029CFF69}"/>
-              </a:ext>
-            </a:extLst>
-          </p:cNvPr>
-          <p:cNvSpPr>
-            <a:spLocks noGrp="1"/>
-          </p:cNvSpPr>
-          <p:nvPr>
-            <p:ph type="sldNum" sz="quarter" idx="12"/>
-          </p:nvPr>
-        </p:nvSpPr>
-        <p:spPr>
-          <a:xfrm>
-            <a:off x="11144147" y="6456787"/>
-            <a:ext cx="799078" cy="365125"/>
-          </a:xfrm>
-        </p:spPr>
-        <p:txBody>
-          <a:bodyPr/>
-          <a:lstStyle/>
-          <a:p>
-            <a:pPr algn="r"/>
-            <a:fld id="{11A71338-8BA2-4C79-A6C5-5A8E30081D0C}" type="slidenum">
-              <a:rPr lang="en-US" sz="2800" b="1" smtClean="0">
-                <a:solidFill>
-                  <a:schemeClr val="bg1"/>
-                </a:solidFill>
-                <a:latin typeface="Calibri" panose="020F0502020204030204" pitchFamily="34" charset="0"/>
-                <a:cs typeface="Calibri" panose="020F0502020204030204" pitchFamily="34" charset="0"/>
-              </a:rPr>
-              <a:pPr algn="r"/>
-              <a:t>13</a:t>
-            </a:fld>
-            <a:endParaRPr lang="en-US" sz="2800" b="1" dirty="0">
-              <a:solidFill>
-                <a:schemeClr val="bg1"/>
-              </a:solidFill>
-              <a:latin typeface="Calibri" panose="020F0502020204030204" pitchFamily="34" charset="0"/>
-              <a:cs typeface="Calibri" panose="020F0502020204030204" pitchFamily="34" charset="0"/>
             </a:endParaRPr>
           </a:p>
         </p:txBody>
@@ -25013,6 +24965,54 @@
           </a:extLst>
         </p:spPr>
       </p:pic>
+      <p:sp>
+        <p:nvSpPr>
+          <p:cNvPr id="2" name="Slide Number Placeholder 1">
+            <a:extLst>
+              <a:ext uri="{FF2B5EF4-FFF2-40B4-BE49-F238E27FC236}">
+                <a16:creationId xmlns:a16="http://schemas.microsoft.com/office/drawing/2014/main" id="{5B9E9A70-9227-8F46-8904-28DEC6576A5C}"/>
+              </a:ext>
+            </a:extLst>
+          </p:cNvPr>
+          <p:cNvSpPr>
+            <a:spLocks noGrp="1"/>
+          </p:cNvSpPr>
+          <p:nvPr>
+            <p:ph type="sldNum" sz="quarter" idx="12"/>
+          </p:nvPr>
+        </p:nvSpPr>
+        <p:spPr>
+          <a:xfrm>
+            <a:off x="11144147" y="6456787"/>
+            <a:ext cx="799078" cy="365125"/>
+          </a:xfrm>
+        </p:spPr>
+        <p:txBody>
+          <a:bodyPr/>
+          <a:lstStyle/>
+          <a:p>
+            <a:pPr algn="r"/>
+            <a:fld id="{11A71338-8BA2-4C79-A6C5-5A8E30081D0C}" type="slidenum">
+              <a:rPr lang="en-US" sz="3200" b="1" smtClean="0">
+                <a:solidFill>
+                  <a:schemeClr val="bg1"/>
+                </a:solidFill>
+                <a:latin typeface="Calibri" panose="020F0502020204030204" pitchFamily="34" charset="0"/>
+                <a:cs typeface="Calibri" panose="020F0502020204030204" pitchFamily="34" charset="0"/>
+              </a:rPr>
+              <a:pPr algn="r"/>
+              <a:t>13</a:t>
+            </a:fld>
+            <a:endParaRPr lang="en-US" sz="3200" b="1" dirty="0">
+              <a:solidFill>
+                <a:schemeClr val="bg1"/>
+              </a:solidFill>
+              <a:latin typeface="Calibri" panose="020F0502020204030204" pitchFamily="34" charset="0"/>
+              <a:cs typeface="Calibri" panose="020F0502020204030204" pitchFamily="34" charset="0"/>
+            </a:endParaRPr>
+          </a:p>
+        </p:txBody>
+      </p:sp>
     </p:spTree>
     <p:extLst>
       <p:ext uri="{BB962C8B-B14F-4D97-AF65-F5344CB8AC3E}">
@@ -25112,54 +25112,6 @@
             <a:endParaRPr lang="en-US" sz="1400" b="1" i="1" dirty="0">
               <a:ea typeface="+mj-ea"/>
               <a:cs typeface="+mj-cs"/>
-            </a:endParaRPr>
-          </a:p>
-        </p:txBody>
-      </p:sp>
-      <p:sp>
-        <p:nvSpPr>
-          <p:cNvPr id="4" name="Slide Number Placeholder 1">
-            <a:extLst>
-              <a:ext uri="{FF2B5EF4-FFF2-40B4-BE49-F238E27FC236}">
-                <a16:creationId xmlns:a16="http://schemas.microsoft.com/office/drawing/2014/main" id="{AEF94D72-A981-8612-A00C-CF0F029CFF69}"/>
-              </a:ext>
-            </a:extLst>
-          </p:cNvPr>
-          <p:cNvSpPr>
-            <a:spLocks noGrp="1"/>
-          </p:cNvSpPr>
-          <p:nvPr>
-            <p:ph type="sldNum" sz="quarter" idx="12"/>
-          </p:nvPr>
-        </p:nvSpPr>
-        <p:spPr>
-          <a:xfrm>
-            <a:off x="11144147" y="6456787"/>
-            <a:ext cx="799078" cy="365125"/>
-          </a:xfrm>
-        </p:spPr>
-        <p:txBody>
-          <a:bodyPr/>
-          <a:lstStyle/>
-          <a:p>
-            <a:pPr algn="r"/>
-            <a:fld id="{11A71338-8BA2-4C79-A6C5-5A8E30081D0C}" type="slidenum">
-              <a:rPr lang="en-US" sz="2800" b="1" smtClean="0">
-                <a:solidFill>
-                  <a:schemeClr val="bg1"/>
-                </a:solidFill>
-                <a:latin typeface="Calibri" panose="020F0502020204030204" pitchFamily="34" charset="0"/>
-                <a:cs typeface="Calibri" panose="020F0502020204030204" pitchFamily="34" charset="0"/>
-              </a:rPr>
-              <a:pPr algn="r"/>
-              <a:t>14</a:t>
-            </a:fld>
-            <a:endParaRPr lang="en-US" sz="2800" b="1" dirty="0">
-              <a:solidFill>
-                <a:schemeClr val="bg1"/>
-              </a:solidFill>
-              <a:latin typeface="Calibri" panose="020F0502020204030204" pitchFamily="34" charset="0"/>
-              <a:cs typeface="Calibri" panose="020F0502020204030204" pitchFamily="34" charset="0"/>
             </a:endParaRPr>
           </a:p>
         </p:txBody>
@@ -25358,6 +25310,54 @@
               <a:rPr lang="en-US" dirty="0"/>
               <a:t>The mean score being 0.56 indicates that the overall sentiment of the wine reviews is positive.</a:t>
             </a:r>
+          </a:p>
+        </p:txBody>
+      </p:sp>
+      <p:sp>
+        <p:nvSpPr>
+          <p:cNvPr id="2" name="Slide Number Placeholder 1">
+            <a:extLst>
+              <a:ext uri="{FF2B5EF4-FFF2-40B4-BE49-F238E27FC236}">
+                <a16:creationId xmlns:a16="http://schemas.microsoft.com/office/drawing/2014/main" id="{35186A77-DBB6-1D6F-4F12-D3C1104643EF}"/>
+              </a:ext>
+            </a:extLst>
+          </p:cNvPr>
+          <p:cNvSpPr>
+            <a:spLocks noGrp="1"/>
+          </p:cNvSpPr>
+          <p:nvPr>
+            <p:ph type="sldNum" sz="quarter" idx="12"/>
+          </p:nvPr>
+        </p:nvSpPr>
+        <p:spPr>
+          <a:xfrm>
+            <a:off x="11144147" y="6456787"/>
+            <a:ext cx="799078" cy="365125"/>
+          </a:xfrm>
+        </p:spPr>
+        <p:txBody>
+          <a:bodyPr/>
+          <a:lstStyle/>
+          <a:p>
+            <a:pPr algn="r"/>
+            <a:fld id="{11A71338-8BA2-4C79-A6C5-5A8E30081D0C}" type="slidenum">
+              <a:rPr lang="en-US" sz="3200" b="1" smtClean="0">
+                <a:solidFill>
+                  <a:schemeClr val="bg1"/>
+                </a:solidFill>
+                <a:latin typeface="Calibri" panose="020F0502020204030204" pitchFamily="34" charset="0"/>
+                <a:cs typeface="Calibri" panose="020F0502020204030204" pitchFamily="34" charset="0"/>
+              </a:rPr>
+              <a:pPr algn="r"/>
+              <a:t>14</a:t>
+            </a:fld>
+            <a:endParaRPr lang="en-US" sz="3200" b="1" dirty="0">
+              <a:solidFill>
+                <a:schemeClr val="bg1"/>
+              </a:solidFill>
+              <a:latin typeface="Calibri" panose="020F0502020204030204" pitchFamily="34" charset="0"/>
+              <a:cs typeface="Calibri" panose="020F0502020204030204" pitchFamily="34" charset="0"/>
+            </a:endParaRPr>
           </a:p>
         </p:txBody>
       </p:sp>
@@ -25729,54 +25729,6 @@
       </p:sp>
       <p:sp>
         <p:nvSpPr>
-          <p:cNvPr id="4" name="Slide Number Placeholder 1">
-            <a:extLst>
-              <a:ext uri="{FF2B5EF4-FFF2-40B4-BE49-F238E27FC236}">
-                <a16:creationId xmlns:a16="http://schemas.microsoft.com/office/drawing/2014/main" id="{AEF94D72-A981-8612-A00C-CF0F029CFF69}"/>
-              </a:ext>
-            </a:extLst>
-          </p:cNvPr>
-          <p:cNvSpPr>
-            <a:spLocks noGrp="1"/>
-          </p:cNvSpPr>
-          <p:nvPr>
-            <p:ph type="sldNum" sz="quarter" idx="12"/>
-          </p:nvPr>
-        </p:nvSpPr>
-        <p:spPr>
-          <a:xfrm>
-            <a:off x="11144147" y="6456787"/>
-            <a:ext cx="799078" cy="365125"/>
-          </a:xfrm>
-        </p:spPr>
-        <p:txBody>
-          <a:bodyPr/>
-          <a:lstStyle/>
-          <a:p>
-            <a:pPr algn="r"/>
-            <a:fld id="{11A71338-8BA2-4C79-A6C5-5A8E30081D0C}" type="slidenum">
-              <a:rPr lang="en-US" sz="2800" b="1" smtClean="0">
-                <a:solidFill>
-                  <a:schemeClr val="bg1"/>
-                </a:solidFill>
-                <a:latin typeface="Calibri" panose="020F0502020204030204" pitchFamily="34" charset="0"/>
-                <a:cs typeface="Calibri" panose="020F0502020204030204" pitchFamily="34" charset="0"/>
-              </a:rPr>
-              <a:pPr algn="r"/>
-              <a:t>15</a:t>
-            </a:fld>
-            <a:endParaRPr lang="en-US" sz="2800" b="1" dirty="0">
-              <a:solidFill>
-                <a:schemeClr val="bg1"/>
-              </a:solidFill>
-              <a:latin typeface="Calibri" panose="020F0502020204030204" pitchFamily="34" charset="0"/>
-              <a:cs typeface="Calibri" panose="020F0502020204030204" pitchFamily="34" charset="0"/>
-            </a:endParaRPr>
-          </a:p>
-        </p:txBody>
-      </p:sp>
-      <p:sp>
-        <p:nvSpPr>
           <p:cNvPr id="2" name="TextBox 1">
             <a:extLst>
               <a:ext uri="{FF2B5EF4-FFF2-40B4-BE49-F238E27FC236}">
@@ -25810,6 +25762,54 @@
               </a:rPr>
               <a:t>Data Science Approach</a:t>
             </a:r>
+          </a:p>
+        </p:txBody>
+      </p:sp>
+      <p:sp>
+        <p:nvSpPr>
+          <p:cNvPr id="5" name="Slide Number Placeholder 1">
+            <a:extLst>
+              <a:ext uri="{FF2B5EF4-FFF2-40B4-BE49-F238E27FC236}">
+                <a16:creationId xmlns:a16="http://schemas.microsoft.com/office/drawing/2014/main" id="{37B8C147-E98D-A519-F3D9-145EBB8ADE33}"/>
+              </a:ext>
+            </a:extLst>
+          </p:cNvPr>
+          <p:cNvSpPr>
+            <a:spLocks noGrp="1"/>
+          </p:cNvSpPr>
+          <p:nvPr>
+            <p:ph type="sldNum" sz="quarter" idx="12"/>
+          </p:nvPr>
+        </p:nvSpPr>
+        <p:spPr>
+          <a:xfrm>
+            <a:off x="11144147" y="6456787"/>
+            <a:ext cx="799078" cy="365125"/>
+          </a:xfrm>
+        </p:spPr>
+        <p:txBody>
+          <a:bodyPr/>
+          <a:lstStyle/>
+          <a:p>
+            <a:pPr algn="r"/>
+            <a:fld id="{11A71338-8BA2-4C79-A6C5-5A8E30081D0C}" type="slidenum">
+              <a:rPr lang="en-US" sz="3200" b="1" smtClean="0">
+                <a:solidFill>
+                  <a:schemeClr val="bg1"/>
+                </a:solidFill>
+                <a:latin typeface="Calibri" panose="020F0502020204030204" pitchFamily="34" charset="0"/>
+                <a:cs typeface="Calibri" panose="020F0502020204030204" pitchFamily="34" charset="0"/>
+              </a:rPr>
+              <a:pPr algn="r"/>
+              <a:t>15</a:t>
+            </a:fld>
+            <a:endParaRPr lang="en-US" sz="3200" b="1" dirty="0">
+              <a:solidFill>
+                <a:schemeClr val="bg1"/>
+              </a:solidFill>
+              <a:latin typeface="Calibri" panose="020F0502020204030204" pitchFamily="34" charset="0"/>
+              <a:cs typeface="Calibri" panose="020F0502020204030204" pitchFamily="34" charset="0"/>
+            </a:endParaRPr>
           </a:p>
         </p:txBody>
       </p:sp>
@@ -25912,54 +25912,6 @@
             <a:endParaRPr lang="en-US" sz="1400" b="1" i="1" dirty="0">
               <a:ea typeface="+mj-ea"/>
               <a:cs typeface="+mj-cs"/>
-            </a:endParaRPr>
-          </a:p>
-        </p:txBody>
-      </p:sp>
-      <p:sp>
-        <p:nvSpPr>
-          <p:cNvPr id="4" name="Slide Number Placeholder 1">
-            <a:extLst>
-              <a:ext uri="{FF2B5EF4-FFF2-40B4-BE49-F238E27FC236}">
-                <a16:creationId xmlns:a16="http://schemas.microsoft.com/office/drawing/2014/main" id="{AEF94D72-A981-8612-A00C-CF0F029CFF69}"/>
-              </a:ext>
-            </a:extLst>
-          </p:cNvPr>
-          <p:cNvSpPr>
-            <a:spLocks noGrp="1"/>
-          </p:cNvSpPr>
-          <p:nvPr>
-            <p:ph type="sldNum" sz="quarter" idx="12"/>
-          </p:nvPr>
-        </p:nvSpPr>
-        <p:spPr>
-          <a:xfrm>
-            <a:off x="11144147" y="6456787"/>
-            <a:ext cx="799078" cy="365125"/>
-          </a:xfrm>
-        </p:spPr>
-        <p:txBody>
-          <a:bodyPr/>
-          <a:lstStyle/>
-          <a:p>
-            <a:pPr algn="r"/>
-            <a:fld id="{11A71338-8BA2-4C79-A6C5-5A8E30081D0C}" type="slidenum">
-              <a:rPr lang="en-US" sz="2800" b="1" smtClean="0">
-                <a:solidFill>
-                  <a:schemeClr val="bg1"/>
-                </a:solidFill>
-                <a:latin typeface="Calibri" panose="020F0502020204030204" pitchFamily="34" charset="0"/>
-                <a:cs typeface="Calibri" panose="020F0502020204030204" pitchFamily="34" charset="0"/>
-              </a:rPr>
-              <a:pPr algn="r"/>
-              <a:t>16</a:t>
-            </a:fld>
-            <a:endParaRPr lang="en-US" sz="2800" b="1" dirty="0">
-              <a:solidFill>
-                <a:schemeClr val="bg1"/>
-              </a:solidFill>
-              <a:latin typeface="Calibri" panose="020F0502020204030204" pitchFamily="34" charset="0"/>
-              <a:cs typeface="Calibri" panose="020F0502020204030204" pitchFamily="34" charset="0"/>
             </a:endParaRPr>
           </a:p>
         </p:txBody>
@@ -26489,6 +26441,54 @@
           </p:txBody>
         </p:sp>
       </p:grpSp>
+      <p:sp>
+        <p:nvSpPr>
+          <p:cNvPr id="2" name="Slide Number Placeholder 1">
+            <a:extLst>
+              <a:ext uri="{FF2B5EF4-FFF2-40B4-BE49-F238E27FC236}">
+                <a16:creationId xmlns:a16="http://schemas.microsoft.com/office/drawing/2014/main" id="{6520A25C-55CB-CC8F-27EE-35D26F8B5ED2}"/>
+              </a:ext>
+            </a:extLst>
+          </p:cNvPr>
+          <p:cNvSpPr>
+            <a:spLocks noGrp="1"/>
+          </p:cNvSpPr>
+          <p:nvPr>
+            <p:ph type="sldNum" sz="quarter" idx="12"/>
+          </p:nvPr>
+        </p:nvSpPr>
+        <p:spPr>
+          <a:xfrm>
+            <a:off x="11144147" y="6456787"/>
+            <a:ext cx="799078" cy="365125"/>
+          </a:xfrm>
+        </p:spPr>
+        <p:txBody>
+          <a:bodyPr/>
+          <a:lstStyle/>
+          <a:p>
+            <a:pPr algn="r"/>
+            <a:fld id="{11A71338-8BA2-4C79-A6C5-5A8E30081D0C}" type="slidenum">
+              <a:rPr lang="en-US" sz="3200" b="1" smtClean="0">
+                <a:solidFill>
+                  <a:schemeClr val="bg1"/>
+                </a:solidFill>
+                <a:latin typeface="Calibri" panose="020F0502020204030204" pitchFamily="34" charset="0"/>
+                <a:cs typeface="Calibri" panose="020F0502020204030204" pitchFamily="34" charset="0"/>
+              </a:rPr>
+              <a:pPr algn="r"/>
+              <a:t>16</a:t>
+            </a:fld>
+            <a:endParaRPr lang="en-US" sz="3200" b="1" dirty="0">
+              <a:solidFill>
+                <a:schemeClr val="bg1"/>
+              </a:solidFill>
+              <a:latin typeface="Calibri" panose="020F0502020204030204" pitchFamily="34" charset="0"/>
+              <a:cs typeface="Calibri" panose="020F0502020204030204" pitchFamily="34" charset="0"/>
+            </a:endParaRPr>
+          </a:p>
+        </p:txBody>
+      </p:sp>
     </p:spTree>
     <p:extLst>
       <p:ext uri="{BB962C8B-B14F-4D97-AF65-F5344CB8AC3E}">
@@ -26588,54 +26588,6 @@
             <a:endParaRPr lang="en-US" sz="1400" b="1" i="1" dirty="0">
               <a:ea typeface="+mj-ea"/>
               <a:cs typeface="+mj-cs"/>
-            </a:endParaRPr>
-          </a:p>
-        </p:txBody>
-      </p:sp>
-      <p:sp>
-        <p:nvSpPr>
-          <p:cNvPr id="4" name="Slide Number Placeholder 1">
-            <a:extLst>
-              <a:ext uri="{FF2B5EF4-FFF2-40B4-BE49-F238E27FC236}">
-                <a16:creationId xmlns:a16="http://schemas.microsoft.com/office/drawing/2014/main" id="{AEF94D72-A981-8612-A00C-CF0F029CFF69}"/>
-              </a:ext>
-            </a:extLst>
-          </p:cNvPr>
-          <p:cNvSpPr>
-            <a:spLocks noGrp="1"/>
-          </p:cNvSpPr>
-          <p:nvPr>
-            <p:ph type="sldNum" sz="quarter" idx="12"/>
-          </p:nvPr>
-        </p:nvSpPr>
-        <p:spPr>
-          <a:xfrm>
-            <a:off x="11144147" y="6456787"/>
-            <a:ext cx="799078" cy="365125"/>
-          </a:xfrm>
-        </p:spPr>
-        <p:txBody>
-          <a:bodyPr/>
-          <a:lstStyle/>
-          <a:p>
-            <a:pPr algn="r"/>
-            <a:fld id="{11A71338-8BA2-4C79-A6C5-5A8E30081D0C}" type="slidenum">
-              <a:rPr lang="en-US" sz="2800" b="1" smtClean="0">
-                <a:solidFill>
-                  <a:schemeClr val="bg1"/>
-                </a:solidFill>
-                <a:latin typeface="Calibri" panose="020F0502020204030204" pitchFamily="34" charset="0"/>
-                <a:cs typeface="Calibri" panose="020F0502020204030204" pitchFamily="34" charset="0"/>
-              </a:rPr>
-              <a:pPr algn="r"/>
-              <a:t>17</a:t>
-            </a:fld>
-            <a:endParaRPr lang="en-US" sz="2800" b="1" dirty="0">
-              <a:solidFill>
-                <a:schemeClr val="bg1"/>
-              </a:solidFill>
-              <a:latin typeface="Calibri" panose="020F0502020204030204" pitchFamily="34" charset="0"/>
-              <a:cs typeface="Calibri" panose="020F0502020204030204" pitchFamily="34" charset="0"/>
             </a:endParaRPr>
           </a:p>
         </p:txBody>
@@ -27324,6 +27276,54 @@
           </a:extLst>
         </p:spPr>
       </p:pic>
+      <p:sp>
+        <p:nvSpPr>
+          <p:cNvPr id="5" name="Slide Number Placeholder 1">
+            <a:extLst>
+              <a:ext uri="{FF2B5EF4-FFF2-40B4-BE49-F238E27FC236}">
+                <a16:creationId xmlns:a16="http://schemas.microsoft.com/office/drawing/2014/main" id="{A53DACEA-A85D-4974-CF3A-1C9D9CBA688A}"/>
+              </a:ext>
+            </a:extLst>
+          </p:cNvPr>
+          <p:cNvSpPr>
+            <a:spLocks noGrp="1"/>
+          </p:cNvSpPr>
+          <p:nvPr>
+            <p:ph type="sldNum" sz="quarter" idx="12"/>
+          </p:nvPr>
+        </p:nvSpPr>
+        <p:spPr>
+          <a:xfrm>
+            <a:off x="11144147" y="6456787"/>
+            <a:ext cx="799078" cy="365125"/>
+          </a:xfrm>
+        </p:spPr>
+        <p:txBody>
+          <a:bodyPr/>
+          <a:lstStyle/>
+          <a:p>
+            <a:pPr algn="r"/>
+            <a:fld id="{11A71338-8BA2-4C79-A6C5-5A8E30081D0C}" type="slidenum">
+              <a:rPr lang="en-US" sz="3200" b="1" smtClean="0">
+                <a:solidFill>
+                  <a:schemeClr val="bg1"/>
+                </a:solidFill>
+                <a:latin typeface="Calibri" panose="020F0502020204030204" pitchFamily="34" charset="0"/>
+                <a:cs typeface="Calibri" panose="020F0502020204030204" pitchFamily="34" charset="0"/>
+              </a:rPr>
+              <a:pPr algn="r"/>
+              <a:t>17</a:t>
+            </a:fld>
+            <a:endParaRPr lang="en-US" sz="3200" b="1" dirty="0">
+              <a:solidFill>
+                <a:schemeClr val="bg1"/>
+              </a:solidFill>
+              <a:latin typeface="Calibri" panose="020F0502020204030204" pitchFamily="34" charset="0"/>
+              <a:cs typeface="Calibri" panose="020F0502020204030204" pitchFamily="34" charset="0"/>
+            </a:endParaRPr>
+          </a:p>
+        </p:txBody>
+      </p:sp>
     </p:spTree>
     <p:extLst>
       <p:ext uri="{BB962C8B-B14F-4D97-AF65-F5344CB8AC3E}">
@@ -27429,54 +27429,6 @@
       </p:sp>
       <p:sp>
         <p:nvSpPr>
-          <p:cNvPr id="4" name="Slide Number Placeholder 1">
-            <a:extLst>
-              <a:ext uri="{FF2B5EF4-FFF2-40B4-BE49-F238E27FC236}">
-                <a16:creationId xmlns:a16="http://schemas.microsoft.com/office/drawing/2014/main" id="{AEF94D72-A981-8612-A00C-CF0F029CFF69}"/>
-              </a:ext>
-            </a:extLst>
-          </p:cNvPr>
-          <p:cNvSpPr>
-            <a:spLocks noGrp="1"/>
-          </p:cNvSpPr>
-          <p:nvPr>
-            <p:ph type="sldNum" sz="quarter" idx="12"/>
-          </p:nvPr>
-        </p:nvSpPr>
-        <p:spPr>
-          <a:xfrm>
-            <a:off x="11144147" y="6456787"/>
-            <a:ext cx="799078" cy="365125"/>
-          </a:xfrm>
-        </p:spPr>
-        <p:txBody>
-          <a:bodyPr/>
-          <a:lstStyle/>
-          <a:p>
-            <a:pPr algn="r"/>
-            <a:fld id="{11A71338-8BA2-4C79-A6C5-5A8E30081D0C}" type="slidenum">
-              <a:rPr lang="en-US" sz="2800" b="1" smtClean="0">
-                <a:solidFill>
-                  <a:schemeClr val="bg1"/>
-                </a:solidFill>
-                <a:latin typeface="Calibri" panose="020F0502020204030204" pitchFamily="34" charset="0"/>
-                <a:cs typeface="Calibri" panose="020F0502020204030204" pitchFamily="34" charset="0"/>
-              </a:rPr>
-              <a:pPr algn="r"/>
-              <a:t>18</a:t>
-            </a:fld>
-            <a:endParaRPr lang="en-US" sz="2800" b="1" dirty="0">
-              <a:solidFill>
-                <a:schemeClr val="bg1"/>
-              </a:solidFill>
-              <a:latin typeface="Calibri" panose="020F0502020204030204" pitchFamily="34" charset="0"/>
-              <a:cs typeface="Calibri" panose="020F0502020204030204" pitchFamily="34" charset="0"/>
-            </a:endParaRPr>
-          </a:p>
-        </p:txBody>
-      </p:sp>
-      <p:sp>
-        <p:nvSpPr>
           <p:cNvPr id="7" name="TextBox 6">
             <a:extLst>
               <a:ext uri="{FF2B5EF4-FFF2-40B4-BE49-F238E27FC236}">
@@ -27842,6 +27794,54 @@
           </a:extLst>
         </p:spPr>
       </p:pic>
+      <p:sp>
+        <p:nvSpPr>
+          <p:cNvPr id="2" name="Slide Number Placeholder 1">
+            <a:extLst>
+              <a:ext uri="{FF2B5EF4-FFF2-40B4-BE49-F238E27FC236}">
+                <a16:creationId xmlns:a16="http://schemas.microsoft.com/office/drawing/2014/main" id="{0A05569A-1AD1-E680-358B-D852869455F1}"/>
+              </a:ext>
+            </a:extLst>
+          </p:cNvPr>
+          <p:cNvSpPr>
+            <a:spLocks noGrp="1"/>
+          </p:cNvSpPr>
+          <p:nvPr>
+            <p:ph type="sldNum" sz="quarter" idx="12"/>
+          </p:nvPr>
+        </p:nvSpPr>
+        <p:spPr>
+          <a:xfrm>
+            <a:off x="11144147" y="6456787"/>
+            <a:ext cx="799078" cy="365125"/>
+          </a:xfrm>
+        </p:spPr>
+        <p:txBody>
+          <a:bodyPr/>
+          <a:lstStyle/>
+          <a:p>
+            <a:pPr algn="r"/>
+            <a:fld id="{11A71338-8BA2-4C79-A6C5-5A8E30081D0C}" type="slidenum">
+              <a:rPr lang="en-US" sz="3200" b="1" smtClean="0">
+                <a:solidFill>
+                  <a:schemeClr val="bg1"/>
+                </a:solidFill>
+                <a:latin typeface="Calibri" panose="020F0502020204030204" pitchFamily="34" charset="0"/>
+                <a:cs typeface="Calibri" panose="020F0502020204030204" pitchFamily="34" charset="0"/>
+              </a:rPr>
+              <a:pPr algn="r"/>
+              <a:t>18</a:t>
+            </a:fld>
+            <a:endParaRPr lang="en-US" sz="3200" b="1" dirty="0">
+              <a:solidFill>
+                <a:schemeClr val="bg1"/>
+              </a:solidFill>
+              <a:latin typeface="Calibri" panose="020F0502020204030204" pitchFamily="34" charset="0"/>
+              <a:cs typeface="Calibri" panose="020F0502020204030204" pitchFamily="34" charset="0"/>
+            </a:endParaRPr>
+          </a:p>
+        </p:txBody>
+      </p:sp>
     </p:spTree>
     <p:extLst>
       <p:ext uri="{BB962C8B-B14F-4D97-AF65-F5344CB8AC3E}">
@@ -27947,54 +27947,6 @@
       </p:sp>
       <p:sp>
         <p:nvSpPr>
-          <p:cNvPr id="4" name="Slide Number Placeholder 1">
-            <a:extLst>
-              <a:ext uri="{FF2B5EF4-FFF2-40B4-BE49-F238E27FC236}">
-                <a16:creationId xmlns:a16="http://schemas.microsoft.com/office/drawing/2014/main" id="{AEF94D72-A981-8612-A00C-CF0F029CFF69}"/>
-              </a:ext>
-            </a:extLst>
-          </p:cNvPr>
-          <p:cNvSpPr>
-            <a:spLocks noGrp="1"/>
-          </p:cNvSpPr>
-          <p:nvPr>
-            <p:ph type="sldNum" sz="quarter" idx="12"/>
-          </p:nvPr>
-        </p:nvSpPr>
-        <p:spPr>
-          <a:xfrm>
-            <a:off x="11144147" y="6456787"/>
-            <a:ext cx="799078" cy="365125"/>
-          </a:xfrm>
-        </p:spPr>
-        <p:txBody>
-          <a:bodyPr/>
-          <a:lstStyle/>
-          <a:p>
-            <a:pPr algn="r"/>
-            <a:fld id="{11A71338-8BA2-4C79-A6C5-5A8E30081D0C}" type="slidenum">
-              <a:rPr lang="en-US" sz="2800" b="1" smtClean="0">
-                <a:solidFill>
-                  <a:schemeClr val="bg1"/>
-                </a:solidFill>
-                <a:latin typeface="Calibri" panose="020F0502020204030204" pitchFamily="34" charset="0"/>
-                <a:cs typeface="Calibri" panose="020F0502020204030204" pitchFamily="34" charset="0"/>
-              </a:rPr>
-              <a:pPr algn="r"/>
-              <a:t>19</a:t>
-            </a:fld>
-            <a:endParaRPr lang="en-US" sz="2800" b="1" dirty="0">
-              <a:solidFill>
-                <a:schemeClr val="bg1"/>
-              </a:solidFill>
-              <a:latin typeface="Calibri" panose="020F0502020204030204" pitchFamily="34" charset="0"/>
-              <a:cs typeface="Calibri" panose="020F0502020204030204" pitchFamily="34" charset="0"/>
-            </a:endParaRPr>
-          </a:p>
-        </p:txBody>
-      </p:sp>
-      <p:sp>
-        <p:nvSpPr>
           <p:cNvPr id="7" name="TextBox 6">
             <a:extLst>
               <a:ext uri="{FF2B5EF4-FFF2-40B4-BE49-F238E27FC236}">
@@ -30269,6 +30221,54 @@
           </a:extLst>
         </p:spPr>
       </p:pic>
+      <p:sp>
+        <p:nvSpPr>
+          <p:cNvPr id="2" name="Slide Number Placeholder 1">
+            <a:extLst>
+              <a:ext uri="{FF2B5EF4-FFF2-40B4-BE49-F238E27FC236}">
+                <a16:creationId xmlns:a16="http://schemas.microsoft.com/office/drawing/2014/main" id="{D96AD9A7-DB48-4250-6FF1-C875CF692F71}"/>
+              </a:ext>
+            </a:extLst>
+          </p:cNvPr>
+          <p:cNvSpPr>
+            <a:spLocks noGrp="1"/>
+          </p:cNvSpPr>
+          <p:nvPr>
+            <p:ph type="sldNum" sz="quarter" idx="12"/>
+          </p:nvPr>
+        </p:nvSpPr>
+        <p:spPr>
+          <a:xfrm>
+            <a:off x="11144147" y="6456787"/>
+            <a:ext cx="799078" cy="365125"/>
+          </a:xfrm>
+        </p:spPr>
+        <p:txBody>
+          <a:bodyPr/>
+          <a:lstStyle/>
+          <a:p>
+            <a:pPr algn="r"/>
+            <a:fld id="{11A71338-8BA2-4C79-A6C5-5A8E30081D0C}" type="slidenum">
+              <a:rPr lang="en-US" sz="3200" b="1" smtClean="0">
+                <a:solidFill>
+                  <a:schemeClr val="bg1"/>
+                </a:solidFill>
+                <a:latin typeface="Calibri" panose="020F0502020204030204" pitchFamily="34" charset="0"/>
+                <a:cs typeface="Calibri" panose="020F0502020204030204" pitchFamily="34" charset="0"/>
+              </a:rPr>
+              <a:pPr algn="r"/>
+              <a:t>19</a:t>
+            </a:fld>
+            <a:endParaRPr lang="en-US" sz="3200" b="1" dirty="0">
+              <a:solidFill>
+                <a:schemeClr val="bg1"/>
+              </a:solidFill>
+              <a:latin typeface="Calibri" panose="020F0502020204030204" pitchFamily="34" charset="0"/>
+              <a:cs typeface="Calibri" panose="020F0502020204030204" pitchFamily="34" charset="0"/>
+            </a:endParaRPr>
+          </a:p>
+        </p:txBody>
+      </p:sp>
     </p:spTree>
     <p:extLst>
       <p:ext uri="{BB962C8B-B14F-4D97-AF65-F5344CB8AC3E}">
@@ -30667,54 +30667,6 @@
       </p:sp>
       <p:sp>
         <p:nvSpPr>
-          <p:cNvPr id="4" name="Slide Number Placeholder 1">
-            <a:extLst>
-              <a:ext uri="{FF2B5EF4-FFF2-40B4-BE49-F238E27FC236}">
-                <a16:creationId xmlns:a16="http://schemas.microsoft.com/office/drawing/2014/main" id="{AEF94D72-A981-8612-A00C-CF0F029CFF69}"/>
-              </a:ext>
-            </a:extLst>
-          </p:cNvPr>
-          <p:cNvSpPr>
-            <a:spLocks noGrp="1"/>
-          </p:cNvSpPr>
-          <p:nvPr>
-            <p:ph type="sldNum" sz="quarter" idx="12"/>
-          </p:nvPr>
-        </p:nvSpPr>
-        <p:spPr>
-          <a:xfrm>
-            <a:off x="11144147" y="6456787"/>
-            <a:ext cx="799078" cy="365125"/>
-          </a:xfrm>
-        </p:spPr>
-        <p:txBody>
-          <a:bodyPr/>
-          <a:lstStyle/>
-          <a:p>
-            <a:pPr algn="r"/>
-            <a:fld id="{11A71338-8BA2-4C79-A6C5-5A8E30081D0C}" type="slidenum">
-              <a:rPr lang="en-US" sz="2800" b="1" smtClean="0">
-                <a:solidFill>
-                  <a:schemeClr val="bg1"/>
-                </a:solidFill>
-                <a:latin typeface="Calibri" panose="020F0502020204030204" pitchFamily="34" charset="0"/>
-                <a:cs typeface="Calibri" panose="020F0502020204030204" pitchFamily="34" charset="0"/>
-              </a:rPr>
-              <a:pPr algn="r"/>
-              <a:t>20</a:t>
-            </a:fld>
-            <a:endParaRPr lang="en-US" sz="2800" b="1" dirty="0">
-              <a:solidFill>
-                <a:schemeClr val="bg1"/>
-              </a:solidFill>
-              <a:latin typeface="Calibri" panose="020F0502020204030204" pitchFamily="34" charset="0"/>
-              <a:cs typeface="Calibri" panose="020F0502020204030204" pitchFamily="34" charset="0"/>
-            </a:endParaRPr>
-          </a:p>
-        </p:txBody>
-      </p:sp>
-      <p:sp>
-        <p:nvSpPr>
           <p:cNvPr id="7" name="TextBox 6">
             <a:extLst>
               <a:ext uri="{FF2B5EF4-FFF2-40B4-BE49-F238E27FC236}">
@@ -33252,7 +33204,7 @@
             </a:r>
             <a:r>
               <a:rPr lang="en-SG" sz="2400" b="1" dirty="0"/>
-              <a:t>': 0.02}</a:t>
+              <a:t>': 0.02</a:t>
             </a:r>
             <a:endParaRPr lang="en-US" sz="2400" b="1" dirty="0"/>
           </a:p>
@@ -33305,6 +33257,54 @@
           </a:extLst>
         </p:spPr>
       </p:pic>
+      <p:sp>
+        <p:nvSpPr>
+          <p:cNvPr id="2" name="Slide Number Placeholder 1">
+            <a:extLst>
+              <a:ext uri="{FF2B5EF4-FFF2-40B4-BE49-F238E27FC236}">
+                <a16:creationId xmlns:a16="http://schemas.microsoft.com/office/drawing/2014/main" id="{51E72C1F-6AC4-0038-94CC-B733BB9BFFF0}"/>
+              </a:ext>
+            </a:extLst>
+          </p:cNvPr>
+          <p:cNvSpPr>
+            <a:spLocks noGrp="1"/>
+          </p:cNvSpPr>
+          <p:nvPr>
+            <p:ph type="sldNum" sz="quarter" idx="12"/>
+          </p:nvPr>
+        </p:nvSpPr>
+        <p:spPr>
+          <a:xfrm>
+            <a:off x="11144147" y="6456787"/>
+            <a:ext cx="799078" cy="365125"/>
+          </a:xfrm>
+        </p:spPr>
+        <p:txBody>
+          <a:bodyPr/>
+          <a:lstStyle/>
+          <a:p>
+            <a:pPr algn="r"/>
+            <a:fld id="{11A71338-8BA2-4C79-A6C5-5A8E30081D0C}" type="slidenum">
+              <a:rPr lang="en-US" sz="3200" b="1" smtClean="0">
+                <a:solidFill>
+                  <a:schemeClr val="bg1"/>
+                </a:solidFill>
+                <a:latin typeface="Calibri" panose="020F0502020204030204" pitchFamily="34" charset="0"/>
+                <a:cs typeface="Calibri" panose="020F0502020204030204" pitchFamily="34" charset="0"/>
+              </a:rPr>
+              <a:pPr algn="r"/>
+              <a:t>20</a:t>
+            </a:fld>
+            <a:endParaRPr lang="en-US" sz="3200" b="1" dirty="0">
+              <a:solidFill>
+                <a:schemeClr val="bg1"/>
+              </a:solidFill>
+              <a:latin typeface="Calibri" panose="020F0502020204030204" pitchFamily="34" charset="0"/>
+              <a:cs typeface="Calibri" panose="020F0502020204030204" pitchFamily="34" charset="0"/>
+            </a:endParaRPr>
+          </a:p>
+        </p:txBody>
+      </p:sp>
     </p:spTree>
     <p:extLst>
       <p:ext uri="{BB962C8B-B14F-4D97-AF65-F5344CB8AC3E}">
@@ -35809,54 +35809,6 @@
       </p:sp>
       <p:sp>
         <p:nvSpPr>
-          <p:cNvPr id="4" name="Slide Number Placeholder 1">
-            <a:extLst>
-              <a:ext uri="{FF2B5EF4-FFF2-40B4-BE49-F238E27FC236}">
-                <a16:creationId xmlns:a16="http://schemas.microsoft.com/office/drawing/2014/main" id="{AEF94D72-A981-8612-A00C-CF0F029CFF69}"/>
-              </a:ext>
-            </a:extLst>
-          </p:cNvPr>
-          <p:cNvSpPr>
-            <a:spLocks noGrp="1"/>
-          </p:cNvSpPr>
-          <p:nvPr>
-            <p:ph type="sldNum" sz="quarter" idx="12"/>
-          </p:nvPr>
-        </p:nvSpPr>
-        <p:spPr>
-          <a:xfrm>
-            <a:off x="11144147" y="6456787"/>
-            <a:ext cx="799078" cy="365125"/>
-          </a:xfrm>
-        </p:spPr>
-        <p:txBody>
-          <a:bodyPr/>
-          <a:lstStyle/>
-          <a:p>
-            <a:pPr algn="r"/>
-            <a:fld id="{11A71338-8BA2-4C79-A6C5-5A8E30081D0C}" type="slidenum">
-              <a:rPr lang="en-US" sz="2800" b="1" smtClean="0">
-                <a:solidFill>
-                  <a:schemeClr val="bg1"/>
-                </a:solidFill>
-                <a:latin typeface="Calibri" panose="020F0502020204030204" pitchFamily="34" charset="0"/>
-                <a:cs typeface="Calibri" panose="020F0502020204030204" pitchFamily="34" charset="0"/>
-              </a:rPr>
-              <a:pPr algn="r"/>
-              <a:t>21</a:t>
-            </a:fld>
-            <a:endParaRPr lang="en-US" sz="2800" b="1" dirty="0">
-              <a:solidFill>
-                <a:schemeClr val="bg1"/>
-              </a:solidFill>
-              <a:latin typeface="Calibri" panose="020F0502020204030204" pitchFamily="34" charset="0"/>
-              <a:cs typeface="Calibri" panose="020F0502020204030204" pitchFamily="34" charset="0"/>
-            </a:endParaRPr>
-          </a:p>
-        </p:txBody>
-      </p:sp>
-      <p:sp>
-        <p:nvSpPr>
           <p:cNvPr id="7" name="TextBox 6">
             <a:extLst>
               <a:ext uri="{FF2B5EF4-FFF2-40B4-BE49-F238E27FC236}">
@@ -38008,6 +37960,54 @@
           </a:extLst>
         </p:spPr>
       </p:pic>
+      <p:sp>
+        <p:nvSpPr>
+          <p:cNvPr id="5" name="Slide Number Placeholder 1">
+            <a:extLst>
+              <a:ext uri="{FF2B5EF4-FFF2-40B4-BE49-F238E27FC236}">
+                <a16:creationId xmlns:a16="http://schemas.microsoft.com/office/drawing/2014/main" id="{0A2C155A-B6D4-C538-F906-EFEB95FC73A8}"/>
+              </a:ext>
+            </a:extLst>
+          </p:cNvPr>
+          <p:cNvSpPr>
+            <a:spLocks noGrp="1"/>
+          </p:cNvSpPr>
+          <p:nvPr>
+            <p:ph type="sldNum" sz="quarter" idx="12"/>
+          </p:nvPr>
+        </p:nvSpPr>
+        <p:spPr>
+          <a:xfrm>
+            <a:off x="11144147" y="6456787"/>
+            <a:ext cx="799078" cy="365125"/>
+          </a:xfrm>
+        </p:spPr>
+        <p:txBody>
+          <a:bodyPr/>
+          <a:lstStyle/>
+          <a:p>
+            <a:pPr algn="r"/>
+            <a:fld id="{11A71338-8BA2-4C79-A6C5-5A8E30081D0C}" type="slidenum">
+              <a:rPr lang="en-US" sz="3200" b="1" smtClean="0">
+                <a:solidFill>
+                  <a:schemeClr val="bg1"/>
+                </a:solidFill>
+                <a:latin typeface="Calibri" panose="020F0502020204030204" pitchFamily="34" charset="0"/>
+                <a:cs typeface="Calibri" panose="020F0502020204030204" pitchFamily="34" charset="0"/>
+              </a:rPr>
+              <a:pPr algn="r"/>
+              <a:t>21</a:t>
+            </a:fld>
+            <a:endParaRPr lang="en-US" sz="3200" b="1" dirty="0">
+              <a:solidFill>
+                <a:schemeClr val="bg1"/>
+              </a:solidFill>
+              <a:latin typeface="Calibri" panose="020F0502020204030204" pitchFamily="34" charset="0"/>
+              <a:cs typeface="Calibri" panose="020F0502020204030204" pitchFamily="34" charset="0"/>
+            </a:endParaRPr>
+          </a:p>
+        </p:txBody>
+      </p:sp>
     </p:spTree>
     <p:extLst>
       <p:ext uri="{BB962C8B-B14F-4D97-AF65-F5344CB8AC3E}">
@@ -38376,54 +38376,6 @@
       </p:sp>
       <p:sp>
         <p:nvSpPr>
-          <p:cNvPr id="4" name="Slide Number Placeholder 1">
-            <a:extLst>
-              <a:ext uri="{FF2B5EF4-FFF2-40B4-BE49-F238E27FC236}">
-                <a16:creationId xmlns:a16="http://schemas.microsoft.com/office/drawing/2014/main" id="{AEF94D72-A981-8612-A00C-CF0F029CFF69}"/>
-              </a:ext>
-            </a:extLst>
-          </p:cNvPr>
-          <p:cNvSpPr>
-            <a:spLocks noGrp="1"/>
-          </p:cNvSpPr>
-          <p:nvPr>
-            <p:ph type="sldNum" sz="quarter" idx="12"/>
-          </p:nvPr>
-        </p:nvSpPr>
-        <p:spPr>
-          <a:xfrm>
-            <a:off x="11144147" y="6456787"/>
-            <a:ext cx="799078" cy="365125"/>
-          </a:xfrm>
-        </p:spPr>
-        <p:txBody>
-          <a:bodyPr/>
-          <a:lstStyle/>
-          <a:p>
-            <a:pPr algn="r"/>
-            <a:fld id="{11A71338-8BA2-4C79-A6C5-5A8E30081D0C}" type="slidenum">
-              <a:rPr lang="en-US" sz="2800" b="1" smtClean="0">
-                <a:solidFill>
-                  <a:schemeClr val="bg1"/>
-                </a:solidFill>
-                <a:latin typeface="Calibri" panose="020F0502020204030204" pitchFamily="34" charset="0"/>
-                <a:cs typeface="Calibri" panose="020F0502020204030204" pitchFamily="34" charset="0"/>
-              </a:rPr>
-              <a:pPr algn="r"/>
-              <a:t>22</a:t>
-            </a:fld>
-            <a:endParaRPr lang="en-US" sz="2800" b="1" dirty="0">
-              <a:solidFill>
-                <a:schemeClr val="bg1"/>
-              </a:solidFill>
-              <a:latin typeface="Calibri" panose="020F0502020204030204" pitchFamily="34" charset="0"/>
-              <a:cs typeface="Calibri" panose="020F0502020204030204" pitchFamily="34" charset="0"/>
-            </a:endParaRPr>
-          </a:p>
-        </p:txBody>
-      </p:sp>
-      <p:sp>
-        <p:nvSpPr>
           <p:cNvPr id="2" name="TextBox 1">
             <a:extLst>
               <a:ext uri="{FF2B5EF4-FFF2-40B4-BE49-F238E27FC236}">
@@ -38457,6 +38409,54 @@
               </a:rPr>
               <a:t>Data Science Approach</a:t>
             </a:r>
+          </a:p>
+        </p:txBody>
+      </p:sp>
+      <p:sp>
+        <p:nvSpPr>
+          <p:cNvPr id="5" name="Slide Number Placeholder 1">
+            <a:extLst>
+              <a:ext uri="{FF2B5EF4-FFF2-40B4-BE49-F238E27FC236}">
+                <a16:creationId xmlns:a16="http://schemas.microsoft.com/office/drawing/2014/main" id="{00CB1FA8-1AF0-AF7D-1B92-20E88E693593}"/>
+              </a:ext>
+            </a:extLst>
+          </p:cNvPr>
+          <p:cNvSpPr>
+            <a:spLocks noGrp="1"/>
+          </p:cNvSpPr>
+          <p:nvPr>
+            <p:ph type="sldNum" sz="quarter" idx="12"/>
+          </p:nvPr>
+        </p:nvSpPr>
+        <p:spPr>
+          <a:xfrm>
+            <a:off x="11144147" y="6456787"/>
+            <a:ext cx="799078" cy="365125"/>
+          </a:xfrm>
+        </p:spPr>
+        <p:txBody>
+          <a:bodyPr/>
+          <a:lstStyle/>
+          <a:p>
+            <a:pPr algn="r"/>
+            <a:fld id="{11A71338-8BA2-4C79-A6C5-5A8E30081D0C}" type="slidenum">
+              <a:rPr lang="en-US" sz="3200" b="1" smtClean="0">
+                <a:solidFill>
+                  <a:schemeClr val="bg1"/>
+                </a:solidFill>
+                <a:latin typeface="Calibri" panose="020F0502020204030204" pitchFamily="34" charset="0"/>
+                <a:cs typeface="Calibri" panose="020F0502020204030204" pitchFamily="34" charset="0"/>
+              </a:rPr>
+              <a:pPr algn="r"/>
+              <a:t>22</a:t>
+            </a:fld>
+            <a:endParaRPr lang="en-US" sz="3200" b="1" dirty="0">
+              <a:solidFill>
+                <a:schemeClr val="bg1"/>
+              </a:solidFill>
+              <a:latin typeface="Calibri" panose="020F0502020204030204" pitchFamily="34" charset="0"/>
+              <a:cs typeface="Calibri" panose="020F0502020204030204" pitchFamily="34" charset="0"/>
+            </a:endParaRPr>
           </a:p>
         </p:txBody>
       </p:sp>
@@ -38565,54 +38565,6 @@
       </p:sp>
       <p:sp>
         <p:nvSpPr>
-          <p:cNvPr id="4" name="Slide Number Placeholder 1">
-            <a:extLst>
-              <a:ext uri="{FF2B5EF4-FFF2-40B4-BE49-F238E27FC236}">
-                <a16:creationId xmlns:a16="http://schemas.microsoft.com/office/drawing/2014/main" id="{AEF94D72-A981-8612-A00C-CF0F029CFF69}"/>
-              </a:ext>
-            </a:extLst>
-          </p:cNvPr>
-          <p:cNvSpPr>
-            <a:spLocks noGrp="1"/>
-          </p:cNvSpPr>
-          <p:nvPr>
-            <p:ph type="sldNum" sz="quarter" idx="12"/>
-          </p:nvPr>
-        </p:nvSpPr>
-        <p:spPr>
-          <a:xfrm>
-            <a:off x="11144147" y="6456787"/>
-            <a:ext cx="799078" cy="365125"/>
-          </a:xfrm>
-        </p:spPr>
-        <p:txBody>
-          <a:bodyPr/>
-          <a:lstStyle/>
-          <a:p>
-            <a:pPr algn="r"/>
-            <a:fld id="{11A71338-8BA2-4C79-A6C5-5A8E30081D0C}" type="slidenum">
-              <a:rPr lang="en-US" sz="2800" b="1" smtClean="0">
-                <a:solidFill>
-                  <a:schemeClr val="bg1"/>
-                </a:solidFill>
-                <a:latin typeface="Calibri" panose="020F0502020204030204" pitchFamily="34" charset="0"/>
-                <a:cs typeface="Calibri" panose="020F0502020204030204" pitchFamily="34" charset="0"/>
-              </a:rPr>
-              <a:pPr algn="r"/>
-              <a:t>23</a:t>
-            </a:fld>
-            <a:endParaRPr lang="en-US" sz="2800" b="1" dirty="0">
-              <a:solidFill>
-                <a:schemeClr val="bg1"/>
-              </a:solidFill>
-              <a:latin typeface="Calibri" panose="020F0502020204030204" pitchFamily="34" charset="0"/>
-              <a:cs typeface="Calibri" panose="020F0502020204030204" pitchFamily="34" charset="0"/>
-            </a:endParaRPr>
-          </a:p>
-        </p:txBody>
-      </p:sp>
-      <p:sp>
-        <p:nvSpPr>
           <p:cNvPr id="7" name="TextBox 6">
             <a:extLst>
               <a:ext uri="{FF2B5EF4-FFF2-40B4-BE49-F238E27FC236}">
@@ -38797,6 +38749,54 @@
               </a:rPr>
               <a:t>to improve the recommender system and deploy the model onto a Flask app.</a:t>
             </a:r>
+          </a:p>
+        </p:txBody>
+      </p:sp>
+      <p:sp>
+        <p:nvSpPr>
+          <p:cNvPr id="2" name="Slide Number Placeholder 1">
+            <a:extLst>
+              <a:ext uri="{FF2B5EF4-FFF2-40B4-BE49-F238E27FC236}">
+                <a16:creationId xmlns:a16="http://schemas.microsoft.com/office/drawing/2014/main" id="{B63A0AFD-E2A5-0F87-3FF3-FC6C3B6F5687}"/>
+              </a:ext>
+            </a:extLst>
+          </p:cNvPr>
+          <p:cNvSpPr>
+            <a:spLocks noGrp="1"/>
+          </p:cNvSpPr>
+          <p:nvPr>
+            <p:ph type="sldNum" sz="quarter" idx="12"/>
+          </p:nvPr>
+        </p:nvSpPr>
+        <p:spPr>
+          <a:xfrm>
+            <a:off x="11144147" y="6456787"/>
+            <a:ext cx="799078" cy="365125"/>
+          </a:xfrm>
+        </p:spPr>
+        <p:txBody>
+          <a:bodyPr/>
+          <a:lstStyle/>
+          <a:p>
+            <a:pPr algn="r"/>
+            <a:fld id="{11A71338-8BA2-4C79-A6C5-5A8E30081D0C}" type="slidenum">
+              <a:rPr lang="en-US" sz="3200" b="1" smtClean="0">
+                <a:solidFill>
+                  <a:schemeClr val="bg1"/>
+                </a:solidFill>
+                <a:latin typeface="Calibri" panose="020F0502020204030204" pitchFamily="34" charset="0"/>
+                <a:cs typeface="Calibri" panose="020F0502020204030204" pitchFamily="34" charset="0"/>
+              </a:rPr>
+              <a:pPr algn="r"/>
+              <a:t>23</a:t>
+            </a:fld>
+            <a:endParaRPr lang="en-US" sz="3200" b="1" dirty="0">
+              <a:solidFill>
+                <a:schemeClr val="bg1"/>
+              </a:solidFill>
+              <a:latin typeface="Calibri" panose="020F0502020204030204" pitchFamily="34" charset="0"/>
+              <a:cs typeface="Calibri" panose="020F0502020204030204" pitchFamily="34" charset="0"/>
+            </a:endParaRPr>
           </a:p>
         </p:txBody>
       </p:sp>
@@ -39576,10 +39576,10 @@
       </p:sp>
       <p:sp>
         <p:nvSpPr>
-          <p:cNvPr id="2" name="Slide Number Placeholder 1">
+          <p:cNvPr id="3" name="Slide Number Placeholder 1">
             <a:extLst>
               <a:ext uri="{FF2B5EF4-FFF2-40B4-BE49-F238E27FC236}">
-                <a16:creationId xmlns:a16="http://schemas.microsoft.com/office/drawing/2014/main" id="{DB9587FA-0882-766F-5AF0-ACD52568B0D0}"/>
+                <a16:creationId xmlns:a16="http://schemas.microsoft.com/office/drawing/2014/main" id="{5C6D61B2-5844-CB41-C375-55366D5E7123}"/>
               </a:ext>
             </a:extLst>
           </p:cNvPr>
@@ -39727,54 +39727,6 @@
       </p:sp>
       <p:sp>
         <p:nvSpPr>
-          <p:cNvPr id="4" name="Slide Number Placeholder 1">
-            <a:extLst>
-              <a:ext uri="{FF2B5EF4-FFF2-40B4-BE49-F238E27FC236}">
-                <a16:creationId xmlns:a16="http://schemas.microsoft.com/office/drawing/2014/main" id="{AEF94D72-A981-8612-A00C-CF0F029CFF69}"/>
-              </a:ext>
-            </a:extLst>
-          </p:cNvPr>
-          <p:cNvSpPr>
-            <a:spLocks noGrp="1"/>
-          </p:cNvSpPr>
-          <p:nvPr>
-            <p:ph type="sldNum" sz="quarter" idx="12"/>
-          </p:nvPr>
-        </p:nvSpPr>
-        <p:spPr>
-          <a:xfrm>
-            <a:off x="11144147" y="6456787"/>
-            <a:ext cx="799078" cy="365125"/>
-          </a:xfrm>
-        </p:spPr>
-        <p:txBody>
-          <a:bodyPr/>
-          <a:lstStyle/>
-          <a:p>
-            <a:pPr algn="r"/>
-            <a:fld id="{11A71338-8BA2-4C79-A6C5-5A8E30081D0C}" type="slidenum">
-              <a:rPr lang="en-US" sz="2800" b="1" smtClean="0">
-                <a:solidFill>
-                  <a:schemeClr val="bg1"/>
-                </a:solidFill>
-                <a:latin typeface="Calibri" panose="020F0502020204030204" pitchFamily="34" charset="0"/>
-                <a:cs typeface="Calibri" panose="020F0502020204030204" pitchFamily="34" charset="0"/>
-              </a:rPr>
-              <a:pPr algn="r"/>
-              <a:t>26</a:t>
-            </a:fld>
-            <a:endParaRPr lang="en-US" sz="2800" b="1" dirty="0">
-              <a:solidFill>
-                <a:schemeClr val="bg1"/>
-              </a:solidFill>
-              <a:latin typeface="Calibri" panose="020F0502020204030204" pitchFamily="34" charset="0"/>
-              <a:cs typeface="Calibri" panose="020F0502020204030204" pitchFamily="34" charset="0"/>
-            </a:endParaRPr>
-          </a:p>
-        </p:txBody>
-      </p:sp>
-      <p:sp>
-        <p:nvSpPr>
           <p:cNvPr id="7" name="TextBox 6">
             <a:extLst>
               <a:ext uri="{FF2B5EF4-FFF2-40B4-BE49-F238E27FC236}">
@@ -39905,6 +39857,54 @@
           </a:extLst>
         </p:spPr>
       </p:pic>
+      <p:sp>
+        <p:nvSpPr>
+          <p:cNvPr id="2" name="Slide Number Placeholder 1">
+            <a:extLst>
+              <a:ext uri="{FF2B5EF4-FFF2-40B4-BE49-F238E27FC236}">
+                <a16:creationId xmlns:a16="http://schemas.microsoft.com/office/drawing/2014/main" id="{F89984A0-D2C0-63A1-3BCD-A3B16244C87B}"/>
+              </a:ext>
+            </a:extLst>
+          </p:cNvPr>
+          <p:cNvSpPr>
+            <a:spLocks noGrp="1"/>
+          </p:cNvSpPr>
+          <p:nvPr>
+            <p:ph type="sldNum" sz="quarter" idx="12"/>
+          </p:nvPr>
+        </p:nvSpPr>
+        <p:spPr>
+          <a:xfrm>
+            <a:off x="11144147" y="6456787"/>
+            <a:ext cx="799078" cy="365125"/>
+          </a:xfrm>
+        </p:spPr>
+        <p:txBody>
+          <a:bodyPr/>
+          <a:lstStyle/>
+          <a:p>
+            <a:pPr algn="r"/>
+            <a:fld id="{11A71338-8BA2-4C79-A6C5-5A8E30081D0C}" type="slidenum">
+              <a:rPr lang="en-US" sz="3200" b="1" smtClean="0">
+                <a:solidFill>
+                  <a:schemeClr val="bg1"/>
+                </a:solidFill>
+                <a:latin typeface="Calibri" panose="020F0502020204030204" pitchFamily="34" charset="0"/>
+                <a:cs typeface="Calibri" panose="020F0502020204030204" pitchFamily="34" charset="0"/>
+              </a:rPr>
+              <a:pPr algn="r"/>
+              <a:t>26</a:t>
+            </a:fld>
+            <a:endParaRPr lang="en-US" sz="3200" b="1" dirty="0">
+              <a:solidFill>
+                <a:schemeClr val="bg1"/>
+              </a:solidFill>
+              <a:latin typeface="Calibri" panose="020F0502020204030204" pitchFamily="34" charset="0"/>
+              <a:cs typeface="Calibri" panose="020F0502020204030204" pitchFamily="34" charset="0"/>
+            </a:endParaRPr>
+          </a:p>
+        </p:txBody>
+      </p:sp>
     </p:spTree>
     <p:extLst>
       <p:ext uri="{BB962C8B-B14F-4D97-AF65-F5344CB8AC3E}">
@@ -40095,54 +40095,6 @@
       </p:sp>
       <p:sp>
         <p:nvSpPr>
-          <p:cNvPr id="16" name="Slide Number Placeholder 1">
-            <a:extLst>
-              <a:ext uri="{FF2B5EF4-FFF2-40B4-BE49-F238E27FC236}">
-                <a16:creationId xmlns:a16="http://schemas.microsoft.com/office/drawing/2014/main" id="{26A27677-A116-BC9E-7997-576EF8CECB6B}"/>
-              </a:ext>
-            </a:extLst>
-          </p:cNvPr>
-          <p:cNvSpPr>
-            <a:spLocks noGrp="1"/>
-          </p:cNvSpPr>
-          <p:nvPr>
-            <p:ph type="sldNum" sz="quarter" idx="12"/>
-          </p:nvPr>
-        </p:nvSpPr>
-        <p:spPr>
-          <a:xfrm>
-            <a:off x="11144147" y="6456787"/>
-            <a:ext cx="799078" cy="365125"/>
-          </a:xfrm>
-        </p:spPr>
-        <p:txBody>
-          <a:bodyPr/>
-          <a:lstStyle/>
-          <a:p>
-            <a:pPr algn="r"/>
-            <a:fld id="{11A71338-8BA2-4C79-A6C5-5A8E30081D0C}" type="slidenum">
-              <a:rPr lang="en-US" sz="2800" b="1" smtClean="0">
-                <a:solidFill>
-                  <a:schemeClr val="bg1"/>
-                </a:solidFill>
-                <a:latin typeface="Calibri" panose="020F0502020204030204" pitchFamily="34" charset="0"/>
-                <a:cs typeface="Calibri" panose="020F0502020204030204" pitchFamily="34" charset="0"/>
-              </a:rPr>
-              <a:pPr algn="r"/>
-              <a:t>3</a:t>
-            </a:fld>
-            <a:endParaRPr lang="en-US" sz="2800" b="1" dirty="0">
-              <a:solidFill>
-                <a:schemeClr val="bg1"/>
-              </a:solidFill>
-              <a:latin typeface="Calibri" panose="020F0502020204030204" pitchFamily="34" charset="0"/>
-              <a:cs typeface="Calibri" panose="020F0502020204030204" pitchFamily="34" charset="0"/>
-            </a:endParaRPr>
-          </a:p>
-        </p:txBody>
-      </p:sp>
-      <p:sp>
-        <p:nvSpPr>
           <p:cNvPr id="5" name="TextBox 4">
             <a:extLst>
               <a:ext uri="{FF2B5EF4-FFF2-40B4-BE49-F238E27FC236}">
@@ -40361,6 +40313,54 @@
           </p:txBody>
         </p:sp>
       </p:grpSp>
+      <p:sp>
+        <p:nvSpPr>
+          <p:cNvPr id="3" name="Slide Number Placeholder 1">
+            <a:extLst>
+              <a:ext uri="{FF2B5EF4-FFF2-40B4-BE49-F238E27FC236}">
+                <a16:creationId xmlns:a16="http://schemas.microsoft.com/office/drawing/2014/main" id="{62C93B0F-C375-52A6-A481-A79720FD2BA5}"/>
+              </a:ext>
+            </a:extLst>
+          </p:cNvPr>
+          <p:cNvSpPr>
+            <a:spLocks noGrp="1"/>
+          </p:cNvSpPr>
+          <p:nvPr>
+            <p:ph type="sldNum" sz="quarter" idx="12"/>
+          </p:nvPr>
+        </p:nvSpPr>
+        <p:spPr>
+          <a:xfrm>
+            <a:off x="11144147" y="6456787"/>
+            <a:ext cx="799078" cy="365125"/>
+          </a:xfrm>
+        </p:spPr>
+        <p:txBody>
+          <a:bodyPr/>
+          <a:lstStyle/>
+          <a:p>
+            <a:pPr algn="r"/>
+            <a:fld id="{11A71338-8BA2-4C79-A6C5-5A8E30081D0C}" type="slidenum">
+              <a:rPr lang="en-US" sz="3200" b="1" smtClean="0">
+                <a:solidFill>
+                  <a:schemeClr val="bg1"/>
+                </a:solidFill>
+                <a:latin typeface="Calibri" panose="020F0502020204030204" pitchFamily="34" charset="0"/>
+                <a:cs typeface="Calibri" panose="020F0502020204030204" pitchFamily="34" charset="0"/>
+              </a:rPr>
+              <a:pPr algn="r"/>
+              <a:t>3</a:t>
+            </a:fld>
+            <a:endParaRPr lang="en-US" sz="3200" b="1" dirty="0">
+              <a:solidFill>
+                <a:schemeClr val="bg1"/>
+              </a:solidFill>
+              <a:latin typeface="Calibri" panose="020F0502020204030204" pitchFamily="34" charset="0"/>
+              <a:cs typeface="Calibri" panose="020F0502020204030204" pitchFamily="34" charset="0"/>
+            </a:endParaRPr>
+          </a:p>
+        </p:txBody>
+      </p:sp>
     </p:spTree>
     <p:extLst>
       <p:ext uri="{BB962C8B-B14F-4D97-AF65-F5344CB8AC3E}">
@@ -40610,10 +40610,10 @@
       </p:sp>
       <p:sp>
         <p:nvSpPr>
-          <p:cNvPr id="2" name="Slide Number Placeholder 1">
+          <p:cNvPr id="3" name="Slide Number Placeholder 1">
             <a:extLst>
               <a:ext uri="{FF2B5EF4-FFF2-40B4-BE49-F238E27FC236}">
-                <a16:creationId xmlns:a16="http://schemas.microsoft.com/office/drawing/2014/main" id="{DB9587FA-0882-766F-5AF0-ACD52568B0D0}"/>
+                <a16:creationId xmlns:a16="http://schemas.microsoft.com/office/drawing/2014/main" id="{0C16AF5B-6C59-06F7-5BC8-E1D5A993CC7B}"/>
               </a:ext>
             </a:extLst>
           </p:cNvPr>
@@ -41024,54 +41024,6 @@
       </p:sp>
       <p:sp>
         <p:nvSpPr>
-          <p:cNvPr id="4" name="Slide Number Placeholder 1">
-            <a:extLst>
-              <a:ext uri="{FF2B5EF4-FFF2-40B4-BE49-F238E27FC236}">
-                <a16:creationId xmlns:a16="http://schemas.microsoft.com/office/drawing/2014/main" id="{AEF94D72-A981-8612-A00C-CF0F029CFF69}"/>
-              </a:ext>
-            </a:extLst>
-          </p:cNvPr>
-          <p:cNvSpPr>
-            <a:spLocks noGrp="1"/>
-          </p:cNvSpPr>
-          <p:nvPr>
-            <p:ph type="sldNum" sz="quarter" idx="12"/>
-          </p:nvPr>
-        </p:nvSpPr>
-        <p:spPr>
-          <a:xfrm>
-            <a:off x="11144147" y="6456787"/>
-            <a:ext cx="799078" cy="365125"/>
-          </a:xfrm>
-        </p:spPr>
-        <p:txBody>
-          <a:bodyPr/>
-          <a:lstStyle/>
-          <a:p>
-            <a:pPr algn="r"/>
-            <a:fld id="{11A71338-8BA2-4C79-A6C5-5A8E30081D0C}" type="slidenum">
-              <a:rPr lang="en-US" sz="2800" b="1" smtClean="0">
-                <a:solidFill>
-                  <a:schemeClr val="bg1"/>
-                </a:solidFill>
-                <a:latin typeface="Calibri" panose="020F0502020204030204" pitchFamily="34" charset="0"/>
-                <a:cs typeface="Calibri" panose="020F0502020204030204" pitchFamily="34" charset="0"/>
-              </a:rPr>
-              <a:pPr algn="r"/>
-              <a:t>5</a:t>
-            </a:fld>
-            <a:endParaRPr lang="en-US" sz="2800" b="1" dirty="0">
-              <a:solidFill>
-                <a:schemeClr val="bg1"/>
-              </a:solidFill>
-              <a:latin typeface="Calibri" panose="020F0502020204030204" pitchFamily="34" charset="0"/>
-              <a:cs typeface="Calibri" panose="020F0502020204030204" pitchFamily="34" charset="0"/>
-            </a:endParaRPr>
-          </a:p>
-        </p:txBody>
-      </p:sp>
-      <p:sp>
-        <p:nvSpPr>
           <p:cNvPr id="7" name="TextBox 6">
             <a:extLst>
               <a:ext uri="{FF2B5EF4-FFF2-40B4-BE49-F238E27FC236}">
@@ -41105,6 +41057,54 @@
               </a:rPr>
               <a:t>Data Science Approach</a:t>
             </a:r>
+          </a:p>
+        </p:txBody>
+      </p:sp>
+      <p:sp>
+        <p:nvSpPr>
+          <p:cNvPr id="2" name="Slide Number Placeholder 1">
+            <a:extLst>
+              <a:ext uri="{FF2B5EF4-FFF2-40B4-BE49-F238E27FC236}">
+                <a16:creationId xmlns:a16="http://schemas.microsoft.com/office/drawing/2014/main" id="{87531FF1-E728-366A-B863-416C94252228}"/>
+              </a:ext>
+            </a:extLst>
+          </p:cNvPr>
+          <p:cNvSpPr>
+            <a:spLocks noGrp="1"/>
+          </p:cNvSpPr>
+          <p:nvPr>
+            <p:ph type="sldNum" sz="quarter" idx="12"/>
+          </p:nvPr>
+        </p:nvSpPr>
+        <p:spPr>
+          <a:xfrm>
+            <a:off x="11144147" y="6456787"/>
+            <a:ext cx="799078" cy="365125"/>
+          </a:xfrm>
+        </p:spPr>
+        <p:txBody>
+          <a:bodyPr/>
+          <a:lstStyle/>
+          <a:p>
+            <a:pPr algn="r"/>
+            <a:fld id="{11A71338-8BA2-4C79-A6C5-5A8E30081D0C}" type="slidenum">
+              <a:rPr lang="en-US" sz="3200" b="1" smtClean="0">
+                <a:solidFill>
+                  <a:schemeClr val="bg1"/>
+                </a:solidFill>
+                <a:latin typeface="Calibri" panose="020F0502020204030204" pitchFamily="34" charset="0"/>
+                <a:cs typeface="Calibri" panose="020F0502020204030204" pitchFamily="34" charset="0"/>
+              </a:rPr>
+              <a:pPr algn="r"/>
+              <a:t>5</a:t>
+            </a:fld>
+            <a:endParaRPr lang="en-US" sz="3200" b="1" dirty="0">
+              <a:solidFill>
+                <a:schemeClr val="bg1"/>
+              </a:solidFill>
+              <a:latin typeface="Calibri" panose="020F0502020204030204" pitchFamily="34" charset="0"/>
+              <a:cs typeface="Calibri" panose="020F0502020204030204" pitchFamily="34" charset="0"/>
+            </a:endParaRPr>
           </a:p>
         </p:txBody>
       </p:sp>
@@ -41213,54 +41213,6 @@
       </p:sp>
       <p:sp>
         <p:nvSpPr>
-          <p:cNvPr id="4" name="Slide Number Placeholder 1">
-            <a:extLst>
-              <a:ext uri="{FF2B5EF4-FFF2-40B4-BE49-F238E27FC236}">
-                <a16:creationId xmlns:a16="http://schemas.microsoft.com/office/drawing/2014/main" id="{AEF94D72-A981-8612-A00C-CF0F029CFF69}"/>
-              </a:ext>
-            </a:extLst>
-          </p:cNvPr>
-          <p:cNvSpPr>
-            <a:spLocks noGrp="1"/>
-          </p:cNvSpPr>
-          <p:nvPr>
-            <p:ph type="sldNum" sz="quarter" idx="12"/>
-          </p:nvPr>
-        </p:nvSpPr>
-        <p:spPr>
-          <a:xfrm>
-            <a:off x="11144147" y="6456787"/>
-            <a:ext cx="799078" cy="365125"/>
-          </a:xfrm>
-        </p:spPr>
-        <p:txBody>
-          <a:bodyPr/>
-          <a:lstStyle/>
-          <a:p>
-            <a:pPr algn="r"/>
-            <a:fld id="{11A71338-8BA2-4C79-A6C5-5A8E30081D0C}" type="slidenum">
-              <a:rPr lang="en-US" sz="2800" b="1" smtClean="0">
-                <a:solidFill>
-                  <a:schemeClr val="bg1"/>
-                </a:solidFill>
-                <a:latin typeface="Calibri" panose="020F0502020204030204" pitchFamily="34" charset="0"/>
-                <a:cs typeface="Calibri" panose="020F0502020204030204" pitchFamily="34" charset="0"/>
-              </a:rPr>
-              <a:pPr algn="r"/>
-              <a:t>6</a:t>
-            </a:fld>
-            <a:endParaRPr lang="en-US" sz="2800" b="1" dirty="0">
-              <a:solidFill>
-                <a:schemeClr val="bg1"/>
-              </a:solidFill>
-              <a:latin typeface="Calibri" panose="020F0502020204030204" pitchFamily="34" charset="0"/>
-              <a:cs typeface="Calibri" panose="020F0502020204030204" pitchFamily="34" charset="0"/>
-            </a:endParaRPr>
-          </a:p>
-        </p:txBody>
-      </p:sp>
-      <p:sp>
-        <p:nvSpPr>
           <p:cNvPr id="7" name="TextBox 6">
             <a:extLst>
               <a:ext uri="{FF2B5EF4-FFF2-40B4-BE49-F238E27FC236}">
@@ -41452,6 +41404,54 @@
           </a:extLst>
         </p:spPr>
       </p:pic>
+      <p:sp>
+        <p:nvSpPr>
+          <p:cNvPr id="2" name="Slide Number Placeholder 1">
+            <a:extLst>
+              <a:ext uri="{FF2B5EF4-FFF2-40B4-BE49-F238E27FC236}">
+                <a16:creationId xmlns:a16="http://schemas.microsoft.com/office/drawing/2014/main" id="{279391B9-935D-15B0-ED3E-B5591A93FF36}"/>
+              </a:ext>
+            </a:extLst>
+          </p:cNvPr>
+          <p:cNvSpPr>
+            <a:spLocks noGrp="1"/>
+          </p:cNvSpPr>
+          <p:nvPr>
+            <p:ph type="sldNum" sz="quarter" idx="12"/>
+          </p:nvPr>
+        </p:nvSpPr>
+        <p:spPr>
+          <a:xfrm>
+            <a:off x="11144147" y="6456787"/>
+            <a:ext cx="799078" cy="365125"/>
+          </a:xfrm>
+        </p:spPr>
+        <p:txBody>
+          <a:bodyPr/>
+          <a:lstStyle/>
+          <a:p>
+            <a:pPr algn="r"/>
+            <a:fld id="{11A71338-8BA2-4C79-A6C5-5A8E30081D0C}" type="slidenum">
+              <a:rPr lang="en-US" sz="3200" b="1" smtClean="0">
+                <a:solidFill>
+                  <a:schemeClr val="bg1"/>
+                </a:solidFill>
+                <a:latin typeface="Calibri" panose="020F0502020204030204" pitchFamily="34" charset="0"/>
+                <a:cs typeface="Calibri" panose="020F0502020204030204" pitchFamily="34" charset="0"/>
+              </a:rPr>
+              <a:pPr algn="r"/>
+              <a:t>6</a:t>
+            </a:fld>
+            <a:endParaRPr lang="en-US" sz="3200" b="1" dirty="0">
+              <a:solidFill>
+                <a:schemeClr val="bg1"/>
+              </a:solidFill>
+              <a:latin typeface="Calibri" panose="020F0502020204030204" pitchFamily="34" charset="0"/>
+              <a:cs typeface="Calibri" panose="020F0502020204030204" pitchFamily="34" charset="0"/>
+            </a:endParaRPr>
+          </a:p>
+        </p:txBody>
+      </p:sp>
     </p:spTree>
     <p:extLst>
       <p:ext uri="{BB962C8B-B14F-4D97-AF65-F5344CB8AC3E}">
@@ -41820,54 +41820,6 @@
       </p:sp>
       <p:sp>
         <p:nvSpPr>
-          <p:cNvPr id="4" name="Slide Number Placeholder 1">
-            <a:extLst>
-              <a:ext uri="{FF2B5EF4-FFF2-40B4-BE49-F238E27FC236}">
-                <a16:creationId xmlns:a16="http://schemas.microsoft.com/office/drawing/2014/main" id="{AEF94D72-A981-8612-A00C-CF0F029CFF69}"/>
-              </a:ext>
-            </a:extLst>
-          </p:cNvPr>
-          <p:cNvSpPr>
-            <a:spLocks noGrp="1"/>
-          </p:cNvSpPr>
-          <p:nvPr>
-            <p:ph type="sldNum" sz="quarter" idx="12"/>
-          </p:nvPr>
-        </p:nvSpPr>
-        <p:spPr>
-          <a:xfrm>
-            <a:off x="11144147" y="6456787"/>
-            <a:ext cx="799078" cy="365125"/>
-          </a:xfrm>
-        </p:spPr>
-        <p:txBody>
-          <a:bodyPr/>
-          <a:lstStyle/>
-          <a:p>
-            <a:pPr algn="r"/>
-            <a:fld id="{11A71338-8BA2-4C79-A6C5-5A8E30081D0C}" type="slidenum">
-              <a:rPr lang="en-US" sz="2800" b="1" smtClean="0">
-                <a:solidFill>
-                  <a:schemeClr val="bg1"/>
-                </a:solidFill>
-                <a:latin typeface="Calibri" panose="020F0502020204030204" pitchFamily="34" charset="0"/>
-                <a:cs typeface="Calibri" panose="020F0502020204030204" pitchFamily="34" charset="0"/>
-              </a:rPr>
-              <a:pPr algn="r"/>
-              <a:t>7</a:t>
-            </a:fld>
-            <a:endParaRPr lang="en-US" sz="2800" b="1" dirty="0">
-              <a:solidFill>
-                <a:schemeClr val="bg1"/>
-              </a:solidFill>
-              <a:latin typeface="Calibri" panose="020F0502020204030204" pitchFamily="34" charset="0"/>
-              <a:cs typeface="Calibri" panose="020F0502020204030204" pitchFamily="34" charset="0"/>
-            </a:endParaRPr>
-          </a:p>
-        </p:txBody>
-      </p:sp>
-      <p:sp>
-        <p:nvSpPr>
           <p:cNvPr id="2" name="TextBox 1">
             <a:extLst>
               <a:ext uri="{FF2B5EF4-FFF2-40B4-BE49-F238E27FC236}">
@@ -41901,6 +41853,54 @@
               </a:rPr>
               <a:t>Data Science Approach</a:t>
             </a:r>
+          </a:p>
+        </p:txBody>
+      </p:sp>
+      <p:sp>
+        <p:nvSpPr>
+          <p:cNvPr id="5" name="Slide Number Placeholder 1">
+            <a:extLst>
+              <a:ext uri="{FF2B5EF4-FFF2-40B4-BE49-F238E27FC236}">
+                <a16:creationId xmlns:a16="http://schemas.microsoft.com/office/drawing/2014/main" id="{BB395CA0-8C4A-1FF3-A7EA-E7F2E00F631D}"/>
+              </a:ext>
+            </a:extLst>
+          </p:cNvPr>
+          <p:cNvSpPr>
+            <a:spLocks noGrp="1"/>
+          </p:cNvSpPr>
+          <p:nvPr>
+            <p:ph type="sldNum" sz="quarter" idx="12"/>
+          </p:nvPr>
+        </p:nvSpPr>
+        <p:spPr>
+          <a:xfrm>
+            <a:off x="11144147" y="6456787"/>
+            <a:ext cx="799078" cy="365125"/>
+          </a:xfrm>
+        </p:spPr>
+        <p:txBody>
+          <a:bodyPr/>
+          <a:lstStyle/>
+          <a:p>
+            <a:pPr algn="r"/>
+            <a:fld id="{11A71338-8BA2-4C79-A6C5-5A8E30081D0C}" type="slidenum">
+              <a:rPr lang="en-US" sz="3200" b="1" smtClean="0">
+                <a:solidFill>
+                  <a:schemeClr val="bg1"/>
+                </a:solidFill>
+                <a:latin typeface="Calibri" panose="020F0502020204030204" pitchFamily="34" charset="0"/>
+                <a:cs typeface="Calibri" panose="020F0502020204030204" pitchFamily="34" charset="0"/>
+              </a:rPr>
+              <a:pPr algn="r"/>
+              <a:t>7</a:t>
+            </a:fld>
+            <a:endParaRPr lang="en-US" sz="3200" b="1" dirty="0">
+              <a:solidFill>
+                <a:schemeClr val="bg1"/>
+              </a:solidFill>
+              <a:latin typeface="Calibri" panose="020F0502020204030204" pitchFamily="34" charset="0"/>
+              <a:cs typeface="Calibri" panose="020F0502020204030204" pitchFamily="34" charset="0"/>
+            </a:endParaRPr>
           </a:p>
         </p:txBody>
       </p:sp>
@@ -42117,54 +42117,6 @@
       </p:sp>
       <p:sp>
         <p:nvSpPr>
-          <p:cNvPr id="4" name="Slide Number Placeholder 1">
-            <a:extLst>
-              <a:ext uri="{FF2B5EF4-FFF2-40B4-BE49-F238E27FC236}">
-                <a16:creationId xmlns:a16="http://schemas.microsoft.com/office/drawing/2014/main" id="{AEF94D72-A981-8612-A00C-CF0F029CFF69}"/>
-              </a:ext>
-            </a:extLst>
-          </p:cNvPr>
-          <p:cNvSpPr>
-            <a:spLocks noGrp="1"/>
-          </p:cNvSpPr>
-          <p:nvPr>
-            <p:ph type="sldNum" sz="quarter" idx="12"/>
-          </p:nvPr>
-        </p:nvSpPr>
-        <p:spPr>
-          <a:xfrm>
-            <a:off x="11144147" y="6456787"/>
-            <a:ext cx="799078" cy="365125"/>
-          </a:xfrm>
-        </p:spPr>
-        <p:txBody>
-          <a:bodyPr/>
-          <a:lstStyle/>
-          <a:p>
-            <a:pPr algn="r"/>
-            <a:fld id="{11A71338-8BA2-4C79-A6C5-5A8E30081D0C}" type="slidenum">
-              <a:rPr lang="en-US" sz="2800" b="1" smtClean="0">
-                <a:solidFill>
-                  <a:schemeClr val="bg1"/>
-                </a:solidFill>
-                <a:latin typeface="Calibri" panose="020F0502020204030204" pitchFamily="34" charset="0"/>
-                <a:cs typeface="Calibri" panose="020F0502020204030204" pitchFamily="34" charset="0"/>
-              </a:rPr>
-              <a:pPr algn="r"/>
-              <a:t>8</a:t>
-            </a:fld>
-            <a:endParaRPr lang="en-US" sz="2800" b="1" dirty="0">
-              <a:solidFill>
-                <a:schemeClr val="bg1"/>
-              </a:solidFill>
-              <a:latin typeface="Calibri" panose="020F0502020204030204" pitchFamily="34" charset="0"/>
-              <a:cs typeface="Calibri" panose="020F0502020204030204" pitchFamily="34" charset="0"/>
-            </a:endParaRPr>
-          </a:p>
-        </p:txBody>
-      </p:sp>
-      <p:sp>
-        <p:nvSpPr>
           <p:cNvPr id="7" name="TextBox 6">
             <a:extLst>
               <a:ext uri="{FF2B5EF4-FFF2-40B4-BE49-F238E27FC236}">
@@ -42588,6 +42540,54 @@
               <a:t>)</a:t>
             </a:r>
             <a:endParaRPr lang="en-US" dirty="0"/>
+          </a:p>
+        </p:txBody>
+      </p:sp>
+      <p:sp>
+        <p:nvSpPr>
+          <p:cNvPr id="2" name="Slide Number Placeholder 1">
+            <a:extLst>
+              <a:ext uri="{FF2B5EF4-FFF2-40B4-BE49-F238E27FC236}">
+                <a16:creationId xmlns:a16="http://schemas.microsoft.com/office/drawing/2014/main" id="{01391814-35CE-ABEF-DC25-A6A1D90696DA}"/>
+              </a:ext>
+            </a:extLst>
+          </p:cNvPr>
+          <p:cNvSpPr>
+            <a:spLocks noGrp="1"/>
+          </p:cNvSpPr>
+          <p:nvPr>
+            <p:ph type="sldNum" sz="quarter" idx="12"/>
+          </p:nvPr>
+        </p:nvSpPr>
+        <p:spPr>
+          <a:xfrm>
+            <a:off x="11144147" y="6456787"/>
+            <a:ext cx="799078" cy="365125"/>
+          </a:xfrm>
+        </p:spPr>
+        <p:txBody>
+          <a:bodyPr/>
+          <a:lstStyle/>
+          <a:p>
+            <a:pPr algn="r"/>
+            <a:fld id="{11A71338-8BA2-4C79-A6C5-5A8E30081D0C}" type="slidenum">
+              <a:rPr lang="en-US" sz="3200" b="1" smtClean="0">
+                <a:solidFill>
+                  <a:schemeClr val="bg1"/>
+                </a:solidFill>
+                <a:latin typeface="Calibri" panose="020F0502020204030204" pitchFamily="34" charset="0"/>
+                <a:cs typeface="Calibri" panose="020F0502020204030204" pitchFamily="34" charset="0"/>
+              </a:rPr>
+              <a:pPr algn="r"/>
+              <a:t>8</a:t>
+            </a:fld>
+            <a:endParaRPr lang="en-US" sz="3200" b="1" dirty="0">
+              <a:solidFill>
+                <a:schemeClr val="bg1"/>
+              </a:solidFill>
+              <a:latin typeface="Calibri" panose="020F0502020204030204" pitchFamily="34" charset="0"/>
+              <a:cs typeface="Calibri" panose="020F0502020204030204" pitchFamily="34" charset="0"/>
+            </a:endParaRPr>
           </a:p>
         </p:txBody>
       </p:sp>
@@ -42959,54 +42959,6 @@
       </p:sp>
       <p:sp>
         <p:nvSpPr>
-          <p:cNvPr id="4" name="Slide Number Placeholder 1">
-            <a:extLst>
-              <a:ext uri="{FF2B5EF4-FFF2-40B4-BE49-F238E27FC236}">
-                <a16:creationId xmlns:a16="http://schemas.microsoft.com/office/drawing/2014/main" id="{AEF94D72-A981-8612-A00C-CF0F029CFF69}"/>
-              </a:ext>
-            </a:extLst>
-          </p:cNvPr>
-          <p:cNvSpPr>
-            <a:spLocks noGrp="1"/>
-          </p:cNvSpPr>
-          <p:nvPr>
-            <p:ph type="sldNum" sz="quarter" idx="12"/>
-          </p:nvPr>
-        </p:nvSpPr>
-        <p:spPr>
-          <a:xfrm>
-            <a:off x="11144147" y="6456787"/>
-            <a:ext cx="799078" cy="365125"/>
-          </a:xfrm>
-        </p:spPr>
-        <p:txBody>
-          <a:bodyPr/>
-          <a:lstStyle/>
-          <a:p>
-            <a:pPr algn="r"/>
-            <a:fld id="{11A71338-8BA2-4C79-A6C5-5A8E30081D0C}" type="slidenum">
-              <a:rPr lang="en-US" sz="2800" b="1" smtClean="0">
-                <a:solidFill>
-                  <a:schemeClr val="bg1"/>
-                </a:solidFill>
-                <a:latin typeface="Calibri" panose="020F0502020204030204" pitchFamily="34" charset="0"/>
-                <a:cs typeface="Calibri" panose="020F0502020204030204" pitchFamily="34" charset="0"/>
-              </a:rPr>
-              <a:pPr algn="r"/>
-              <a:t>9</a:t>
-            </a:fld>
-            <a:endParaRPr lang="en-US" sz="2800" b="1" dirty="0">
-              <a:solidFill>
-                <a:schemeClr val="bg1"/>
-              </a:solidFill>
-              <a:latin typeface="Calibri" panose="020F0502020204030204" pitchFamily="34" charset="0"/>
-              <a:cs typeface="Calibri" panose="020F0502020204030204" pitchFamily="34" charset="0"/>
-            </a:endParaRPr>
-          </a:p>
-        </p:txBody>
-      </p:sp>
-      <p:sp>
-        <p:nvSpPr>
           <p:cNvPr id="2" name="TextBox 1">
             <a:extLst>
               <a:ext uri="{FF2B5EF4-FFF2-40B4-BE49-F238E27FC236}">
@@ -43040,6 +42992,54 @@
               </a:rPr>
               <a:t>Data Science Approach</a:t>
             </a:r>
+          </a:p>
+        </p:txBody>
+      </p:sp>
+      <p:sp>
+        <p:nvSpPr>
+          <p:cNvPr id="5" name="Slide Number Placeholder 1">
+            <a:extLst>
+              <a:ext uri="{FF2B5EF4-FFF2-40B4-BE49-F238E27FC236}">
+                <a16:creationId xmlns:a16="http://schemas.microsoft.com/office/drawing/2014/main" id="{2AFF0440-FD5A-DC69-A1BF-A5DFBDEAD01A}"/>
+              </a:ext>
+            </a:extLst>
+          </p:cNvPr>
+          <p:cNvSpPr>
+            <a:spLocks noGrp="1"/>
+          </p:cNvSpPr>
+          <p:nvPr>
+            <p:ph type="sldNum" sz="quarter" idx="12"/>
+          </p:nvPr>
+        </p:nvSpPr>
+        <p:spPr>
+          <a:xfrm>
+            <a:off x="11144147" y="6456787"/>
+            <a:ext cx="799078" cy="365125"/>
+          </a:xfrm>
+        </p:spPr>
+        <p:txBody>
+          <a:bodyPr/>
+          <a:lstStyle/>
+          <a:p>
+            <a:pPr algn="r"/>
+            <a:fld id="{11A71338-8BA2-4C79-A6C5-5A8E30081D0C}" type="slidenum">
+              <a:rPr lang="en-US" sz="3200" b="1" smtClean="0">
+                <a:solidFill>
+                  <a:schemeClr val="bg1"/>
+                </a:solidFill>
+                <a:latin typeface="Calibri" panose="020F0502020204030204" pitchFamily="34" charset="0"/>
+                <a:cs typeface="Calibri" panose="020F0502020204030204" pitchFamily="34" charset="0"/>
+              </a:rPr>
+              <a:pPr algn="r"/>
+              <a:t>9</a:t>
+            </a:fld>
+            <a:endParaRPr lang="en-US" sz="3200" b="1" dirty="0">
+              <a:solidFill>
+                <a:schemeClr val="bg1"/>
+              </a:solidFill>
+              <a:latin typeface="Calibri" panose="020F0502020204030204" pitchFamily="34" charset="0"/>
+              <a:cs typeface="Calibri" panose="020F0502020204030204" pitchFamily="34" charset="0"/>
+            </a:endParaRPr>
           </a:p>
         </p:txBody>
       </p:sp>
